--- a/Slide/AIS3 dragon security .pptx
+++ b/Slide/AIS3 dragon security .pptx
@@ -401,7 +401,7 @@
           <a:p>
             <a:fld id="{FF2D6938-D6E6-41FA-8798-4A982E8C5E4B}" type="datetimeFigureOut">
               <a:rPr lang="zh-TW" altLang="en-US" smtClean="0"/>
-              <a:t>2020/7/31</a:t>
+              <a:t>2020/8/1</a:t>
             </a:fld>
             <a:endParaRPr lang="zh-TW" altLang="en-US"/>
           </a:p>
@@ -609,7 +609,7 @@
           <a:p>
             <a:fld id="{FF2D6938-D6E6-41FA-8798-4A982E8C5E4B}" type="datetimeFigureOut">
               <a:rPr lang="zh-TW" altLang="en-US" smtClean="0"/>
-              <a:t>2020/7/31</a:t>
+              <a:t>2020/8/1</a:t>
             </a:fld>
             <a:endParaRPr lang="zh-TW" altLang="en-US"/>
           </a:p>
@@ -2325,7 +2325,7 @@
           <a:p>
             <a:fld id="{FF2D6938-D6E6-41FA-8798-4A982E8C5E4B}" type="datetimeFigureOut">
               <a:rPr lang="zh-TW" altLang="en-US" smtClean="0"/>
-              <a:t>2020/7/31</a:t>
+              <a:t>2020/8/1</a:t>
             </a:fld>
             <a:endParaRPr lang="zh-TW" altLang="en-US"/>
           </a:p>
@@ -2466,7 +2466,7 @@
           <a:p>
             <a:fld id="{FF2D6938-D6E6-41FA-8798-4A982E8C5E4B}" type="datetimeFigureOut">
               <a:rPr lang="zh-TW" altLang="en-US" smtClean="0"/>
-              <a:t>2020/7/31</a:t>
+              <a:t>2020/8/1</a:t>
             </a:fld>
             <a:endParaRPr lang="zh-TW" altLang="en-US"/>
           </a:p>
@@ -2579,7 +2579,7 @@
           <a:p>
             <a:fld id="{FF2D6938-D6E6-41FA-8798-4A982E8C5E4B}" type="datetimeFigureOut">
               <a:rPr lang="zh-TW" altLang="en-US" smtClean="0"/>
-              <a:t>2020/7/31</a:t>
+              <a:t>2020/8/1</a:t>
             </a:fld>
             <a:endParaRPr lang="zh-TW" altLang="en-US"/>
           </a:p>
@@ -2890,7 +2890,7 @@
           <a:p>
             <a:fld id="{FF2D6938-D6E6-41FA-8798-4A982E8C5E4B}" type="datetimeFigureOut">
               <a:rPr lang="zh-TW" altLang="en-US" smtClean="0"/>
-              <a:t>2020/7/31</a:t>
+              <a:t>2020/8/1</a:t>
             </a:fld>
             <a:endParaRPr lang="zh-TW" altLang="en-US"/>
           </a:p>
@@ -3178,7 +3178,7 @@
           <a:p>
             <a:fld id="{FF2D6938-D6E6-41FA-8798-4A982E8C5E4B}" type="datetimeFigureOut">
               <a:rPr lang="zh-TW" altLang="en-US" smtClean="0"/>
-              <a:t>2020/7/31</a:t>
+              <a:t>2020/8/1</a:t>
             </a:fld>
             <a:endParaRPr lang="zh-TW" altLang="en-US"/>
           </a:p>
@@ -3419,7 +3419,7 @@
           <a:p>
             <a:fld id="{FF2D6938-D6E6-41FA-8798-4A982E8C5E4B}" type="datetimeFigureOut">
               <a:rPr lang="zh-TW" altLang="en-US" smtClean="0"/>
-              <a:t>2020/7/31</a:t>
+              <a:t>2020/8/1</a:t>
             </a:fld>
             <a:endParaRPr lang="zh-TW" altLang="en-US"/>
           </a:p>
@@ -4047,7 +4047,7 @@
         <p:spPr>
           <a:xfrm>
             <a:off x="949910" y="2843046"/>
-            <a:ext cx="7466119" cy="1565878"/>
+            <a:ext cx="7466119" cy="2172582"/>
           </a:xfrm>
           <a:prstGeom prst="rect">
             <a:avLst/>
@@ -4068,13 +4068,13 @@
               <a:buChar char="•"/>
             </a:pPr>
             <a:r>
-              <a:rPr lang="zh-TW" altLang="en-US" sz="3400" dirty="0">
+              <a:rPr lang="zh-TW" altLang="en-US" sz="4800" dirty="0">
                 <a:latin typeface="微軟正黑體" panose="020B0604030504040204" pitchFamily="34" charset="-120"/>
                 <a:ea typeface="微軟正黑體" panose="020B0604030504040204" pitchFamily="34" charset="-120"/>
               </a:rPr>
               <a:t>自動化程式安全測試</a:t>
             </a:r>
-            <a:endParaRPr lang="en-US" altLang="zh-TW" sz="3400" dirty="0">
+            <a:endParaRPr lang="en-US" altLang="zh-TW" sz="4800" dirty="0">
               <a:latin typeface="微軟正黑體" panose="020B0604030504040204" pitchFamily="34" charset="-120"/>
               <a:ea typeface="微軟正黑體" panose="020B0604030504040204" pitchFamily="34" charset="-120"/>
             </a:endParaRPr>
@@ -4088,7 +4088,7 @@
               <a:buChar char="•"/>
             </a:pPr>
             <a:r>
-              <a:rPr lang="zh-TW" altLang="en-US" sz="3400" dirty="0">
+              <a:rPr lang="zh-TW" altLang="en-US" sz="4800" dirty="0">
                 <a:latin typeface="微軟正黑體" panose="020B0604030504040204" pitchFamily="34" charset="-120"/>
                 <a:ea typeface="微軟正黑體" panose="020B0604030504040204" pitchFamily="34" charset="-120"/>
               </a:rPr>
@@ -4183,8 +4183,8 @@
         </p:nvSpPr>
         <p:spPr>
           <a:xfrm>
-            <a:off x="1029126" y="2176617"/>
-            <a:ext cx="11584904" cy="3932167"/>
+            <a:off x="704218" y="2089152"/>
+            <a:ext cx="11584904" cy="4609788"/>
           </a:xfrm>
           <a:prstGeom prst="rect">
             <a:avLst/>
@@ -4203,14 +4203,14 @@
               </a:lnSpc>
             </a:pPr>
             <a:r>
-              <a:rPr lang="zh-TW" altLang="en-US" sz="3400" dirty="0">
+              <a:rPr lang="zh-TW" altLang="en-US" sz="4000" dirty="0">
                 <a:latin typeface="微軟正黑體" panose="020B0604030504040204" pitchFamily="34" charset="-120"/>
                 <a:ea typeface="微軟正黑體" panose="020B0604030504040204" pitchFamily="34" charset="-120"/>
               </a:rPr>
               <a:t>針對開發進行</a:t>
             </a:r>
             <a:r>
-              <a:rPr lang="zh-TW" altLang="en-US" sz="3400" dirty="0">
+              <a:rPr lang="zh-TW" altLang="en-US" sz="4000" dirty="0">
                 <a:solidFill>
                   <a:srgbClr val="FF0000"/>
                 </a:solidFill>
@@ -4220,14 +4220,14 @@
               <a:t>自動化的系統性分析</a:t>
             </a:r>
             <a:r>
-              <a:rPr lang="zh-TW" altLang="en-US" sz="3400" dirty="0">
+              <a:rPr lang="zh-TW" altLang="en-US" sz="4000" dirty="0">
                 <a:latin typeface="微軟正黑體" panose="020B0604030504040204" pitchFamily="34" charset="-120"/>
                 <a:ea typeface="微軟正黑體" panose="020B0604030504040204" pitchFamily="34" charset="-120"/>
               </a:rPr>
               <a:t>並進行</a:t>
             </a:r>
             <a:r>
-              <a:rPr lang="zh-TW" altLang="en-US" sz="3400" dirty="0">
+              <a:rPr lang="zh-TW" altLang="en-US" sz="4000" dirty="0">
                 <a:solidFill>
                   <a:srgbClr val="FF0000"/>
                 </a:solidFill>
@@ -4236,7 +4236,7 @@
               </a:rPr>
               <a:t>風險評估</a:t>
             </a:r>
-            <a:endParaRPr lang="en-US" altLang="zh-TW" sz="3400" dirty="0">
+            <a:endParaRPr lang="en-US" altLang="zh-TW" sz="4000" dirty="0">
               <a:solidFill>
                 <a:srgbClr val="FF0000"/>
               </a:solidFill>
@@ -4253,13 +4253,13 @@
               <a:buChar char="•"/>
             </a:pPr>
             <a:r>
-              <a:rPr lang="zh-TW" altLang="en-US" sz="3400" dirty="0">
+              <a:rPr lang="zh-TW" altLang="en-US" sz="4000" dirty="0">
                 <a:latin typeface="微軟正黑體" panose="020B0604030504040204" pitchFamily="34" charset="-120"/>
                 <a:ea typeface="微軟正黑體" panose="020B0604030504040204" pitchFamily="34" charset="-120"/>
               </a:rPr>
               <a:t>風險套件管理</a:t>
             </a:r>
-            <a:endParaRPr lang="en-US" altLang="zh-TW" sz="3400" dirty="0">
+            <a:endParaRPr lang="en-US" altLang="zh-TW" sz="4000" dirty="0">
               <a:latin typeface="微軟正黑體" panose="020B0604030504040204" pitchFamily="34" charset="-120"/>
               <a:ea typeface="微軟正黑體" panose="020B0604030504040204" pitchFamily="34" charset="-120"/>
             </a:endParaRPr>
@@ -4273,13 +4273,13 @@
               <a:buChar char="•"/>
             </a:pPr>
             <a:r>
-              <a:rPr lang="zh-TW" altLang="en-US" sz="3400" dirty="0">
+              <a:rPr lang="zh-TW" altLang="en-US" sz="4000" dirty="0">
                 <a:latin typeface="微軟正黑體" panose="020B0604030504040204" pitchFamily="34" charset="-120"/>
                 <a:ea typeface="微軟正黑體" panose="020B0604030504040204" pitchFamily="34" charset="-120"/>
               </a:rPr>
               <a:t>自動化風險評估</a:t>
             </a:r>
-            <a:endParaRPr lang="en-US" altLang="zh-TW" sz="3400" dirty="0">
+            <a:endParaRPr lang="en-US" altLang="zh-TW" sz="4000" dirty="0">
               <a:latin typeface="微軟正黑體" panose="020B0604030504040204" pitchFamily="34" charset="-120"/>
               <a:ea typeface="微軟正黑體" panose="020B0604030504040204" pitchFamily="34" charset="-120"/>
             </a:endParaRPr>
@@ -4293,7 +4293,7 @@
               <a:buChar char="•"/>
             </a:pPr>
             <a:r>
-              <a:rPr lang="zh-TW" altLang="en-US" sz="3400" dirty="0">
+              <a:rPr lang="zh-TW" altLang="en-US" sz="4000" dirty="0">
                 <a:latin typeface="微軟正黑體" panose="020B0604030504040204" pitchFamily="34" charset="-120"/>
                 <a:ea typeface="微軟正黑體" panose="020B0604030504040204" pitchFamily="34" charset="-120"/>
               </a:rPr>
@@ -4307,10 +4307,10 @@
               </a:lnSpc>
             </a:pPr>
             <a:r>
-              <a:rPr lang="zh-TW" altLang="en-US" sz="3400" dirty="0"/>
+              <a:rPr lang="zh-TW" altLang="en-US" sz="4000" dirty="0"/>
               <a:t> </a:t>
             </a:r>
-            <a:endParaRPr lang="zh-TW" altLang="en-US" sz="3400" dirty="0">
+            <a:endParaRPr lang="zh-TW" altLang="en-US" sz="4000" dirty="0">
               <a:latin typeface="微軟正黑體" panose="020B0604030504040204" pitchFamily="34" charset="-120"/>
               <a:ea typeface="微軟正黑體" panose="020B0604030504040204" pitchFamily="34" charset="-120"/>
             </a:endParaRPr>
@@ -4413,7 +4413,7 @@
         </p:blipFill>
         <p:spPr>
           <a:xfrm>
-            <a:off x="1632648" y="851571"/>
+            <a:off x="1452894" y="851571"/>
             <a:ext cx="8926704" cy="5154857"/>
           </a:xfrm>
           <a:prstGeom prst="rect">
@@ -4421,6 +4421,89 @@
           </a:prstGeom>
         </p:spPr>
       </p:pic>
+      <p:sp>
+        <p:nvSpPr>
+          <p:cNvPr id="3" name="文字方塊 2">
+            <a:extLst>
+              <a:ext uri="{FF2B5EF4-FFF2-40B4-BE49-F238E27FC236}">
+                <a16:creationId xmlns:a16="http://schemas.microsoft.com/office/drawing/2014/main" id="{CEBD6BA2-FFDC-4F2B-B88B-D75ED6EF0A88}"/>
+              </a:ext>
+            </a:extLst>
+          </p:cNvPr>
+          <p:cNvSpPr txBox="1"/>
+          <p:nvPr/>
+        </p:nvSpPr>
+        <p:spPr>
+          <a:xfrm>
+            <a:off x="5916246" y="5483208"/>
+            <a:ext cx="2110154" cy="523220"/>
+          </a:xfrm>
+          <a:prstGeom prst="rect">
+            <a:avLst/>
+          </a:prstGeom>
+          <a:noFill/>
+        </p:spPr>
+        <p:txBody>
+          <a:bodyPr wrap="square" rtlCol="0">
+            <a:spAutoFit/>
+          </a:bodyPr>
+          <a:lstStyle/>
+          <a:p>
+            <a:r>
+              <a:rPr lang="zh-TW" altLang="en-US" sz="2800" b="1" dirty="0">
+                <a:latin typeface="Microsoft JhengHei UI" panose="020B0604030504040204" pitchFamily="34" charset="-120"/>
+                <a:ea typeface="Microsoft JhengHei UI" panose="020B0604030504040204" pitchFamily="34" charset="-120"/>
+              </a:rPr>
+              <a:t>發財的關鍵</a:t>
+            </a:r>
+            <a:endParaRPr lang="en-US" sz="2800" b="1" dirty="0">
+              <a:latin typeface="Microsoft JhengHei UI" panose="020B0604030504040204" pitchFamily="34" charset="-120"/>
+              <a:ea typeface="Microsoft JhengHei UI" panose="020B0604030504040204" pitchFamily="34" charset="-120"/>
+            </a:endParaRPr>
+          </a:p>
+        </p:txBody>
+      </p:sp>
+      <p:cxnSp>
+        <p:nvCxnSpPr>
+          <p:cNvPr id="10" name="直線單箭頭接點 9">
+            <a:extLst>
+              <a:ext uri="{FF2B5EF4-FFF2-40B4-BE49-F238E27FC236}">
+                <a16:creationId xmlns:a16="http://schemas.microsoft.com/office/drawing/2014/main" id="{C716BE13-D50F-42E6-B707-4B6E0202B09B}"/>
+              </a:ext>
+            </a:extLst>
+          </p:cNvPr>
+          <p:cNvCxnSpPr>
+            <a:cxnSpLocks/>
+          </p:cNvCxnSpPr>
+          <p:nvPr/>
+        </p:nvCxnSpPr>
+        <p:spPr>
+          <a:xfrm>
+            <a:off x="7815385" y="5744818"/>
+            <a:ext cx="640080" cy="0"/>
+          </a:xfrm>
+          <a:prstGeom prst="straightConnector1">
+            <a:avLst/>
+          </a:prstGeom>
+          <a:ln w="76200">
+            <a:tailEnd type="triangle"/>
+          </a:ln>
+        </p:spPr>
+        <p:style>
+          <a:lnRef idx="1">
+            <a:schemeClr val="accent1"/>
+          </a:lnRef>
+          <a:fillRef idx="0">
+            <a:schemeClr val="accent1"/>
+          </a:fillRef>
+          <a:effectRef idx="0">
+            <a:schemeClr val="accent1"/>
+          </a:effectRef>
+          <a:fontRef idx="minor">
+            <a:schemeClr val="tx1"/>
+          </a:fontRef>
+        </p:style>
+      </p:cxnSp>
     </p:spTree>
     <p:extLst>
       <p:ext uri="{BB962C8B-B14F-4D97-AF65-F5344CB8AC3E}">
@@ -4507,8 +4590,8 @@
         </p:nvSpPr>
         <p:spPr>
           <a:xfrm>
-            <a:off x="1145219" y="2764939"/>
-            <a:ext cx="6951215" cy="2148152"/>
+            <a:off x="1020174" y="2015874"/>
+            <a:ext cx="6951215" cy="3679084"/>
           </a:xfrm>
           <a:prstGeom prst="rect">
             <a:avLst/>
@@ -4529,7 +4612,7 @@
               <a:buChar char="•"/>
             </a:pPr>
             <a:r>
-              <a:rPr lang="en-US" altLang="zh-TW" sz="3400" dirty="0">
+              <a:rPr lang="en-US" altLang="zh-TW" sz="5400" dirty="0">
                 <a:latin typeface="微軟正黑體" panose="020B0604030504040204" pitchFamily="34" charset="-120"/>
                 <a:ea typeface="微軟正黑體" panose="020B0604030504040204" pitchFamily="34" charset="-120"/>
               </a:rPr>
@@ -4545,34 +4628,28 @@
               <a:buChar char="•"/>
             </a:pPr>
             <a:r>
-              <a:rPr lang="en-US" altLang="zh-TW" sz="3400" dirty="0">
-                <a:latin typeface="微軟正黑體" panose="020B0604030504040204" pitchFamily="34" charset="-120"/>
-                <a:ea typeface="微軟正黑體" panose="020B0604030504040204" pitchFamily="34" charset="-120"/>
-              </a:rPr>
-              <a:t>package </a:t>
-            </a:r>
-            <a:r>
-              <a:rPr lang="en-US" altLang="zh-TW" sz="3400" dirty="0" err="1">
-                <a:latin typeface="微軟正黑體" panose="020B0604030504040204" pitchFamily="34" charset="-120"/>
-                <a:ea typeface="微軟正黑體" panose="020B0604030504040204" pitchFamily="34" charset="-120"/>
-              </a:rPr>
-              <a:t>managment</a:t>
-            </a:r>
-            <a:endParaRPr lang="en-US" altLang="zh-TW" sz="3400" dirty="0">
-              <a:latin typeface="微軟正黑體" panose="020B0604030504040204" pitchFamily="34" charset="-120"/>
-              <a:ea typeface="微軟正黑體" panose="020B0604030504040204" pitchFamily="34" charset="-120"/>
-            </a:endParaRPr>
-          </a:p>
-          <a:p>
-            <a:pPr>
+              <a:rPr lang="en-US" altLang="zh-TW" sz="5400" dirty="0">
+                <a:latin typeface="微軟正黑體" panose="020B0604030504040204" pitchFamily="34" charset="-120"/>
+                <a:ea typeface="微軟正黑體" panose="020B0604030504040204" pitchFamily="34" charset="-120"/>
+              </a:rPr>
+              <a:t>Package Guardian</a:t>
+            </a:r>
+          </a:p>
+          <a:p>
+            <a:pPr marL="342900" indent="-342900">
               <a:lnSpc>
                 <a:spcPct val="150000"/>
               </a:lnSpc>
+              <a:buFont typeface="Arial" panose="020B0604020202020204" pitchFamily="34" charset="0"/>
+              <a:buChar char="•"/>
             </a:pPr>
-            <a:endParaRPr lang="zh-TW" altLang="en-US" sz="2400" dirty="0">
-              <a:latin typeface="微軟正黑體" panose="020B0604030504040204" pitchFamily="34" charset="-120"/>
-              <a:ea typeface="微軟正黑體" panose="020B0604030504040204" pitchFamily="34" charset="-120"/>
-            </a:endParaRPr>
+            <a:r>
+              <a:rPr lang="en-US" altLang="zh-TW" sz="5400" dirty="0">
+                <a:latin typeface="微軟正黑體" panose="020B0604030504040204" pitchFamily="34" charset="-120"/>
+                <a:ea typeface="微軟正黑體" panose="020B0604030504040204" pitchFamily="34" charset="-120"/>
+              </a:rPr>
+              <a:t>Dashboard</a:t>
+            </a:r>
           </a:p>
         </p:txBody>
       </p:sp>
@@ -4662,8 +4739,8 @@
         </p:nvSpPr>
         <p:spPr>
           <a:xfrm>
-            <a:off x="1340528" y="2379216"/>
-            <a:ext cx="3675356" cy="1138773"/>
+            <a:off x="793451" y="2449553"/>
+            <a:ext cx="9686980" cy="2800767"/>
           </a:xfrm>
           <a:prstGeom prst="rect">
             <a:avLst/>
@@ -4677,19 +4754,88 @@
           <a:lstStyle/>
           <a:p>
             <a:r>
-              <a:rPr lang="zh-TW" altLang="en-US" sz="3400" dirty="0">
-                <a:latin typeface="微軟正黑體" panose="020B0604030504040204" pitchFamily="34" charset="-120"/>
-                <a:ea typeface="微軟正黑體" panose="020B0604030504040204" pitchFamily="34" charset="-120"/>
-              </a:rPr>
-              <a:t>風險評估</a:t>
-            </a:r>
-            <a:endParaRPr lang="en-US" altLang="zh-TW" sz="3400" dirty="0">
+              <a:rPr lang="zh-TW" altLang="en-US" sz="4400" dirty="0">
+                <a:latin typeface="微軟正黑體" panose="020B0604030504040204" pitchFamily="34" charset="-120"/>
+                <a:ea typeface="微軟正黑體" panose="020B0604030504040204" pitchFamily="34" charset="-120"/>
+              </a:rPr>
+              <a:t>整合更多相關套件</a:t>
+            </a:r>
+            <a:r>
+              <a:rPr lang="zh-TW" altLang="en-US" sz="4400" strike="sngStrike" dirty="0">
+                <a:latin typeface="微軟正黑體" panose="020B0604030504040204" pitchFamily="34" charset="-120"/>
+                <a:ea typeface="微軟正黑體" panose="020B0604030504040204" pitchFamily="34" charset="-120"/>
+              </a:rPr>
+              <a:t>成為一條龍</a:t>
+            </a:r>
+            <a:endParaRPr lang="en-US" altLang="zh-TW" sz="4400" dirty="0">
               <a:latin typeface="微軟正黑體" panose="020B0604030504040204" pitchFamily="34" charset="-120"/>
               <a:ea typeface="微軟正黑體" panose="020B0604030504040204" pitchFamily="34" charset="-120"/>
             </a:endParaRPr>
           </a:p>
           <a:p>
-            <a:endParaRPr lang="zh-TW" altLang="en-US" sz="3400" dirty="0">
+            <a:endParaRPr lang="en-US" altLang="zh-TW" sz="4400" dirty="0">
+              <a:latin typeface="微軟正黑體" panose="020B0604030504040204" pitchFamily="34" charset="-120"/>
+              <a:ea typeface="微軟正黑體" panose="020B0604030504040204" pitchFamily="34" charset="-120"/>
+            </a:endParaRPr>
+          </a:p>
+          <a:p>
+            <a:pPr marL="571500" indent="-571500">
+              <a:buFont typeface="Arial" panose="020B0604020202020204" pitchFamily="34" charset="0"/>
+              <a:buChar char="•"/>
+            </a:pPr>
+            <a:r>
+              <a:rPr lang="en-US" altLang="zh-TW" sz="4400" dirty="0">
+                <a:latin typeface="微軟正黑體" panose="020B0604030504040204" pitchFamily="34" charset="-120"/>
+                <a:ea typeface="微軟正黑體" panose="020B0604030504040204" pitchFamily="34" charset="-120"/>
+              </a:rPr>
+              <a:t>CI/CD</a:t>
+            </a:r>
+            <a:r>
+              <a:rPr lang="zh-TW" altLang="en-US" sz="4400" dirty="0">
+                <a:latin typeface="微軟正黑體" panose="020B0604030504040204" pitchFamily="34" charset="-120"/>
+                <a:ea typeface="微軟正黑體" panose="020B0604030504040204" pitchFamily="34" charset="-120"/>
+              </a:rPr>
+              <a:t>與自動化資安測試整合</a:t>
+            </a:r>
+            <a:endParaRPr lang="en-US" altLang="zh-TW" sz="4400" dirty="0">
+              <a:latin typeface="微軟正黑體" panose="020B0604030504040204" pitchFamily="34" charset="-120"/>
+              <a:ea typeface="微軟正黑體" panose="020B0604030504040204" pitchFamily="34" charset="-120"/>
+            </a:endParaRPr>
+          </a:p>
+          <a:p>
+            <a:pPr marL="571500" indent="-571500">
+              <a:buFont typeface="Arial" panose="020B0604020202020204" pitchFamily="34" charset="0"/>
+              <a:buChar char="•"/>
+            </a:pPr>
+            <a:r>
+              <a:rPr lang="zh-TW" altLang="en-US" sz="4400" dirty="0">
+                <a:latin typeface="微軟正黑體" panose="020B0604030504040204" pitchFamily="34" charset="-120"/>
+                <a:ea typeface="微軟正黑體" panose="020B0604030504040204" pitchFamily="34" charset="-120"/>
+              </a:rPr>
+              <a:t>服務環境安全</a:t>
+            </a:r>
+            <a:r>
+              <a:rPr lang="en-US" altLang="zh-TW" sz="4400" dirty="0">
+                <a:latin typeface="微軟正黑體" panose="020B0604030504040204" pitchFamily="34" charset="-120"/>
+                <a:ea typeface="微軟正黑體" panose="020B0604030504040204" pitchFamily="34" charset="-120"/>
+              </a:rPr>
+              <a:t>(</a:t>
+            </a:r>
+            <a:r>
+              <a:rPr lang="zh-TW" altLang="en-US" sz="4400" dirty="0">
+                <a:latin typeface="微軟正黑體" panose="020B0604030504040204" pitchFamily="34" charset="-120"/>
+                <a:ea typeface="微軟正黑體" panose="020B0604030504040204" pitchFamily="34" charset="-120"/>
+              </a:rPr>
+              <a:t>持續追蹤的真諦</a:t>
+            </a:r>
+            <a:r>
+              <a:rPr lang="en-US" altLang="zh-TW" sz="4400" dirty="0">
+                <a:latin typeface="微軟正黑體" panose="020B0604030504040204" pitchFamily="34" charset="-120"/>
+                <a:ea typeface="微軟正黑體" panose="020B0604030504040204" pitchFamily="34" charset="-120"/>
+              </a:rPr>
+              <a:t>(?)</a:t>
+            </a:r>
+            <a:endParaRPr lang="zh-TW" altLang="en-US" sz="4400" dirty="0">
               <a:latin typeface="微軟正黑體" panose="020B0604030504040204" pitchFamily="34" charset="-120"/>
               <a:ea typeface="微軟正黑體" panose="020B0604030504040204" pitchFamily="34" charset="-120"/>
             </a:endParaRPr>
@@ -4740,8 +4886,8 @@
         </p:nvSpPr>
         <p:spPr>
           <a:xfrm>
-            <a:off x="2450237" y="2698813"/>
-            <a:ext cx="9552374" cy="1323439"/>
+            <a:off x="422940" y="2767280"/>
+            <a:ext cx="11346119" cy="1323439"/>
           </a:xfrm>
           <a:prstGeom prst="rect">
             <a:avLst/>
@@ -4755,16 +4901,40 @@
           <a:lstStyle/>
           <a:p>
             <a:r>
-              <a:rPr lang="en-US" altLang="zh-TW" sz="8000" dirty="0">
-                <a:latin typeface="微軟正黑體" panose="020B0604030504040204" pitchFamily="34" charset="-120"/>
-                <a:ea typeface="微軟正黑體" panose="020B0604030504040204" pitchFamily="34" charset="-120"/>
-              </a:rPr>
-              <a:t>End</a:t>
-            </a:r>
-            <a:endParaRPr lang="zh-TW" altLang="en-US" sz="8000" dirty="0">
-              <a:latin typeface="微軟正黑體" panose="020B0604030504040204" pitchFamily="34" charset="-120"/>
-              <a:ea typeface="微軟正黑體" panose="020B0604030504040204" pitchFamily="34" charset="-120"/>
-            </a:endParaRPr>
+              <a:rPr lang="zh-TW" altLang="en-US" sz="8000" b="1" dirty="0">
+                <a:latin typeface="微軟正黑體" panose="020B0604030504040204" pitchFamily="34" charset="-120"/>
+                <a:ea typeface="微軟正黑體" panose="020B0604030504040204" pitchFamily="34" charset="-120"/>
+              </a:rPr>
+              <a:t>ヽ</a:t>
+            </a:r>
+            <a:r>
+              <a:rPr lang="en-US" altLang="zh-TW" sz="8000" b="1" dirty="0">
+                <a:latin typeface="微軟正黑體" panose="020B0604030504040204" pitchFamily="34" charset="-120"/>
+                <a:ea typeface="微軟正黑體" panose="020B0604030504040204" pitchFamily="34" charset="-120"/>
+              </a:rPr>
+              <a:t>(</a:t>
+            </a:r>
+            <a:r>
+              <a:rPr lang="zh-TW" altLang="en-US" sz="8000" b="1" dirty="0">
+                <a:latin typeface="微軟正黑體" panose="020B0604030504040204" pitchFamily="34" charset="-120"/>
+                <a:ea typeface="微軟正黑體" panose="020B0604030504040204" pitchFamily="34" charset="-120"/>
+              </a:rPr>
+              <a:t>゜▽゜　</a:t>
+            </a:r>
+            <a:r>
+              <a:rPr lang="en-US" altLang="zh-TW" sz="8000" b="1" dirty="0">
+                <a:latin typeface="微軟正黑體" panose="020B0604030504040204" pitchFamily="34" charset="-120"/>
+                <a:ea typeface="微軟正黑體" panose="020B0604030504040204" pitchFamily="34" charset="-120"/>
+              </a:rPr>
+              <a:t>)</a:t>
+            </a:r>
+            <a:r>
+              <a:rPr lang="zh-TW" altLang="en-US" sz="8000" dirty="0">
+                <a:latin typeface="微軟正黑體" panose="020B0604030504040204" pitchFamily="34" charset="-120"/>
+                <a:ea typeface="微軟正黑體" panose="020B0604030504040204" pitchFamily="34" charset="-120"/>
+              </a:rPr>
+              <a:t>－結束了</a:t>
+            </a:r>
           </a:p>
         </p:txBody>
       </p:sp>
@@ -5682,7 +5852,7 @@
         </p:nvGrpSpPr>
         <p:grpSpPr>
           <a:xfrm>
-            <a:off x="5816221" y="112842"/>
+            <a:off x="5933959" y="236312"/>
             <a:ext cx="2254830" cy="1385446"/>
             <a:chOff x="5816221" y="112842"/>
             <a:chExt cx="2254830" cy="1385446"/>
@@ -5780,7 +5950,7 @@
         </p:nvGrpSpPr>
         <p:grpSpPr>
           <a:xfrm>
-            <a:off x="2762131" y="4421596"/>
+            <a:off x="2762131" y="4574207"/>
             <a:ext cx="2722422" cy="1250879"/>
             <a:chOff x="2714600" y="4254818"/>
             <a:chExt cx="2722422" cy="1250879"/>
@@ -5957,7 +6127,7 @@
         </p:nvGrpSpPr>
         <p:grpSpPr>
           <a:xfrm>
-            <a:off x="9059796" y="4222100"/>
+            <a:off x="9356781" y="4574207"/>
             <a:ext cx="2647374" cy="1282136"/>
             <a:chOff x="9059796" y="4222100"/>
             <a:chExt cx="2647374" cy="1282136"/>
@@ -6459,7 +6629,7 @@
         <p:spPr>
           <a:xfrm>
             <a:off x="958788" y="2407138"/>
-            <a:ext cx="10428227" cy="2362506"/>
+            <a:ext cx="10428227" cy="2763129"/>
           </a:xfrm>
           <a:prstGeom prst="rect">
             <a:avLst/>
@@ -6480,14 +6650,14 @@
               <a:buChar char="•"/>
             </a:pPr>
             <a:r>
-              <a:rPr kumimoji="1" lang="zh-TW" altLang="en-US" sz="3400" dirty="0">
+              <a:rPr kumimoji="1" lang="zh-TW" altLang="en-US" sz="4000" dirty="0">
                 <a:latin typeface="微軟正黑體" panose="020B0604030504040204" pitchFamily="34" charset="-120"/>
                 <a:ea typeface="微軟正黑體" panose="020B0604030504040204" pitchFamily="34" charset="-120"/>
               </a:rPr>
               <a:t>建立</a:t>
             </a:r>
             <a:r>
-              <a:rPr kumimoji="1" lang="zh-TW" altLang="en-US" sz="3400" dirty="0">
+              <a:rPr kumimoji="1" lang="zh-TW" altLang="en-US" sz="4000" dirty="0">
                 <a:solidFill>
                   <a:srgbClr val="FF0000"/>
                 </a:solidFill>
@@ -6496,7 +6666,7 @@
               </a:rPr>
               <a:t>套件安全資料庫</a:t>
             </a:r>
-            <a:endParaRPr kumimoji="1" lang="en-US" altLang="zh-TW" sz="3400" dirty="0">
+            <a:endParaRPr kumimoji="1" lang="en-US" altLang="zh-TW" sz="4000" dirty="0">
               <a:solidFill>
                 <a:srgbClr val="FF0000"/>
               </a:solidFill>
@@ -6513,13 +6683,23 @@
               <a:buChar char="•"/>
             </a:pPr>
             <a:r>
-              <a:rPr kumimoji="1" lang="zh-TW" altLang="en-US" sz="3400" dirty="0">
-                <a:latin typeface="微軟正黑體" panose="020B0604030504040204" pitchFamily="34" charset="-120"/>
-                <a:ea typeface="微軟正黑體" panose="020B0604030504040204" pitchFamily="34" charset="-120"/>
-              </a:rPr>
-              <a:t>主動追蹤不同第三方套件的程式碼覆蓋率</a:t>
-            </a:r>
-            <a:endParaRPr kumimoji="1" lang="en-US" altLang="zh-TW" sz="3400" dirty="0">
+              <a:rPr kumimoji="1" lang="zh-TW" altLang="en-US" sz="4000" dirty="0">
+                <a:solidFill>
+                  <a:srgbClr val="FF0000"/>
+                </a:solidFill>
+                <a:latin typeface="微軟正黑體" panose="020B0604030504040204" pitchFamily="34" charset="-120"/>
+                <a:ea typeface="微軟正黑體" panose="020B0604030504040204" pitchFamily="34" charset="-120"/>
+              </a:rPr>
+              <a:t>主動追蹤</a:t>
+            </a:r>
+            <a:r>
+              <a:rPr kumimoji="1" lang="zh-TW" altLang="en-US" sz="4000" dirty="0">
+                <a:latin typeface="微軟正黑體" panose="020B0604030504040204" pitchFamily="34" charset="-120"/>
+                <a:ea typeface="微軟正黑體" panose="020B0604030504040204" pitchFamily="34" charset="-120"/>
+              </a:rPr>
+              <a:t>不同第三方套件的程式碼覆蓋率</a:t>
+            </a:r>
+            <a:endParaRPr kumimoji="1" lang="en-US" altLang="zh-TW" sz="4000" dirty="0">
               <a:latin typeface="微軟正黑體" panose="020B0604030504040204" pitchFamily="34" charset="-120"/>
               <a:ea typeface="微軟正黑體" panose="020B0604030504040204" pitchFamily="34" charset="-120"/>
             </a:endParaRPr>
@@ -6533,13 +6713,13 @@
               <a:buChar char="•"/>
             </a:pPr>
             <a:r>
-              <a:rPr kumimoji="1" lang="zh-TW" altLang="en-US" sz="3400" dirty="0">
-                <a:latin typeface="微軟正黑體" panose="020B0604030504040204" pitchFamily="34" charset="-120"/>
-                <a:ea typeface="微軟正黑體" panose="020B0604030504040204" pitchFamily="34" charset="-120"/>
-              </a:rPr>
-              <a:t>提供修正建議給開發人員</a:t>
-            </a:r>
-            <a:endParaRPr lang="zh-TW" altLang="en-US" sz="3400" dirty="0"/>
+              <a:rPr kumimoji="1" lang="zh-TW" altLang="en-US" sz="4000" dirty="0">
+                <a:latin typeface="微軟正黑體" panose="020B0604030504040204" pitchFamily="34" charset="-120"/>
+                <a:ea typeface="微軟正黑體" panose="020B0604030504040204" pitchFamily="34" charset="-120"/>
+              </a:rPr>
+              <a:t>結合上述後提供修正建議給開發人員</a:t>
+            </a:r>
+            <a:endParaRPr lang="zh-TW" altLang="en-US" sz="4000" dirty="0"/>
           </a:p>
         </p:txBody>
       </p:sp>

--- a/Slide/AIS3 dragon security .pptx
+++ b/Slide/AIS3 dragon security .pptx
@@ -13,13 +13,16 @@
     <p:sldId id="279" r:id="rId7"/>
     <p:sldId id="280" r:id="rId8"/>
     <p:sldId id="264" r:id="rId9"/>
-    <p:sldId id="271" r:id="rId10"/>
-    <p:sldId id="273" r:id="rId11"/>
-    <p:sldId id="274" r:id="rId12"/>
-    <p:sldId id="270" r:id="rId13"/>
-    <p:sldId id="276" r:id="rId14"/>
-    <p:sldId id="275" r:id="rId15"/>
-    <p:sldId id="272" r:id="rId16"/>
+    <p:sldId id="282" r:id="rId10"/>
+    <p:sldId id="283" r:id="rId11"/>
+    <p:sldId id="281" r:id="rId12"/>
+    <p:sldId id="271" r:id="rId13"/>
+    <p:sldId id="273" r:id="rId14"/>
+    <p:sldId id="274" r:id="rId15"/>
+    <p:sldId id="270" r:id="rId16"/>
+    <p:sldId id="276" r:id="rId17"/>
+    <p:sldId id="275" r:id="rId18"/>
+    <p:sldId id="272" r:id="rId19"/>
   </p:sldIdLst>
   <p:sldSz cx="12192000" cy="6858000"/>
   <p:notesSz cx="6858000" cy="9144000"/>
@@ -3996,10 +3999,10 @@
       </p:grpSpPr>
       <p:sp>
         <p:nvSpPr>
-          <p:cNvPr id="2" name="文字方塊 1">
-            <a:extLst>
-              <a:ext uri="{FF2B5EF4-FFF2-40B4-BE49-F238E27FC236}">
-                <a16:creationId xmlns:a16="http://schemas.microsoft.com/office/drawing/2014/main" id="{B4AB42E0-7A8E-4DA9-B525-041E31E1F55D}"/>
+          <p:cNvPr id="3" name="文字方塊 2">
+            <a:extLst>
+              <a:ext uri="{FF2B5EF4-FFF2-40B4-BE49-F238E27FC236}">
+                <a16:creationId xmlns:a16="http://schemas.microsoft.com/office/drawing/2014/main" id="{49D88A0D-6BE9-4738-BE5B-007A4F0F26F5}"/>
               </a:ext>
             </a:extLst>
           </p:cNvPr>
@@ -4008,8 +4011,8 @@
         </p:nvSpPr>
         <p:spPr>
           <a:xfrm>
-            <a:off x="758925" y="811738"/>
-            <a:ext cx="4868152" cy="1015663"/>
+            <a:off x="2486758" y="1225689"/>
+            <a:ext cx="8157796" cy="4708981"/>
           </a:xfrm>
           <a:prstGeom prst="rect">
             <a:avLst/>
@@ -4022,85 +4025,88 @@
           </a:bodyPr>
           <a:lstStyle/>
           <a:p>
-            <a:r>
-              <a:rPr lang="zh-TW" altLang="en-US" sz="6000" b="1" dirty="0">
-                <a:latin typeface="微軟正黑體" panose="020B0604030504040204" pitchFamily="34" charset="-120"/>
-                <a:ea typeface="微軟正黑體" panose="020B0604030504040204" pitchFamily="34" charset="-120"/>
-              </a:rPr>
-              <a:t>程式安全</a:t>
-            </a:r>
-          </a:p>
-        </p:txBody>
-      </p:sp>
-      <p:sp>
-        <p:nvSpPr>
-          <p:cNvPr id="3" name="文字方塊 2">
-            <a:extLst>
-              <a:ext uri="{FF2B5EF4-FFF2-40B4-BE49-F238E27FC236}">
-                <a16:creationId xmlns:a16="http://schemas.microsoft.com/office/drawing/2014/main" id="{D4AA29EA-679E-4682-8A6F-EA6E93A4F17E}"/>
-              </a:ext>
-            </a:extLst>
-          </p:cNvPr>
-          <p:cNvSpPr txBox="1"/>
-          <p:nvPr/>
-        </p:nvSpPr>
-        <p:spPr>
-          <a:xfrm>
-            <a:off x="949910" y="2843046"/>
-            <a:ext cx="7466119" cy="2172582"/>
-          </a:xfrm>
-          <a:prstGeom prst="rect">
-            <a:avLst/>
-          </a:prstGeom>
-          <a:noFill/>
-        </p:spPr>
-        <p:txBody>
-          <a:bodyPr wrap="square" rtlCol="0">
-            <a:spAutoFit/>
-          </a:bodyPr>
-          <a:lstStyle/>
-          <a:p>
-            <a:pPr marL="457200" indent="-457200">
-              <a:lnSpc>
-                <a:spcPct val="150000"/>
-              </a:lnSpc>
+            <a:pPr marL="857250" indent="-857250">
               <a:buFont typeface="Arial" panose="020B0604020202020204" pitchFamily="34" charset="0"/>
               <a:buChar char="•"/>
             </a:pPr>
             <a:r>
-              <a:rPr lang="zh-TW" altLang="en-US" sz="4800" dirty="0">
-                <a:latin typeface="微軟正黑體" panose="020B0604030504040204" pitchFamily="34" charset="-120"/>
-                <a:ea typeface="微軟正黑體" panose="020B0604030504040204" pitchFamily="34" charset="-120"/>
-              </a:rPr>
-              <a:t>自動化程式安全測試</a:t>
-            </a:r>
-            <a:endParaRPr lang="en-US" altLang="zh-TW" sz="4800" dirty="0">
+              <a:rPr lang="zh-TW" altLang="en-US" sz="6000" b="1" dirty="0">
+                <a:latin typeface="微軟正黑體" panose="020B0604030504040204" pitchFamily="34" charset="-120"/>
+                <a:ea typeface="微軟正黑體" panose="020B0604030504040204" pitchFamily="34" charset="-120"/>
+              </a:rPr>
+              <a:t>機密資訊安全</a:t>
+            </a:r>
+            <a:endParaRPr lang="en-US" altLang="zh-TW" sz="6000" b="1" dirty="0">
               <a:latin typeface="微軟正黑體" panose="020B0604030504040204" pitchFamily="34" charset="-120"/>
               <a:ea typeface="微軟正黑體" panose="020B0604030504040204" pitchFamily="34" charset="-120"/>
             </a:endParaRPr>
           </a:p>
           <a:p>
-            <a:pPr marL="914400" lvl="1" indent="-457200">
-              <a:lnSpc>
-                <a:spcPct val="150000"/>
-              </a:lnSpc>
+            <a:pPr marL="857250" indent="-857250">
               <a:buFont typeface="Arial" panose="020B0604020202020204" pitchFamily="34" charset="0"/>
               <a:buChar char="•"/>
             </a:pPr>
             <a:r>
-              <a:rPr lang="zh-TW" altLang="en-US" sz="4800" dirty="0">
-                <a:latin typeface="微軟正黑體" panose="020B0604030504040204" pitchFamily="34" charset="-120"/>
-                <a:ea typeface="微軟正黑體" panose="020B0604030504040204" pitchFamily="34" charset="-120"/>
-              </a:rPr>
-              <a:t>邊界條件測試</a:t>
-            </a:r>
+              <a:rPr lang="zh-TW" altLang="en-US" sz="6000" b="1" dirty="0">
+                <a:latin typeface="微軟正黑體" panose="020B0604030504040204" pitchFamily="34" charset="-120"/>
+                <a:ea typeface="微軟正黑體" panose="020B0604030504040204" pitchFamily="34" charset="-120"/>
+              </a:rPr>
+              <a:t>第三方套件管理安全</a:t>
+            </a:r>
+            <a:endParaRPr lang="en-US" altLang="zh-TW" sz="6000" b="1" dirty="0">
+              <a:latin typeface="微軟正黑體" panose="020B0604030504040204" pitchFamily="34" charset="-120"/>
+              <a:ea typeface="微軟正黑體" panose="020B0604030504040204" pitchFamily="34" charset="-120"/>
+            </a:endParaRPr>
+          </a:p>
+          <a:p>
+            <a:pPr marL="857250" indent="-857250">
+              <a:buFont typeface="Arial" panose="020B0604020202020204" pitchFamily="34" charset="0"/>
+              <a:buChar char="•"/>
+            </a:pPr>
+            <a:r>
+              <a:rPr lang="zh-TW" altLang="en-US" sz="6000" b="1" dirty="0">
+                <a:latin typeface="微軟正黑體" panose="020B0604030504040204" pitchFamily="34" charset="-120"/>
+                <a:ea typeface="微軟正黑體" panose="020B0604030504040204" pitchFamily="34" charset="-120"/>
+              </a:rPr>
+              <a:t>程式安全</a:t>
+            </a:r>
+            <a:r>
+              <a:rPr lang="en-US" altLang="zh-TW" sz="6000" b="1" dirty="0">
+                <a:latin typeface="微軟正黑體" panose="020B0604030504040204" pitchFamily="34" charset="-120"/>
+                <a:ea typeface="微軟正黑體" panose="020B0604030504040204" pitchFamily="34" charset="-120"/>
+              </a:rPr>
+              <a:t>(?)</a:t>
+            </a:r>
+          </a:p>
+          <a:p>
+            <a:pPr marL="857250" indent="-857250">
+              <a:buFont typeface="Arial" panose="020B0604020202020204" pitchFamily="34" charset="0"/>
+              <a:buChar char="•"/>
+            </a:pPr>
+            <a:r>
+              <a:rPr lang="zh-TW" altLang="en-US" sz="6000" b="1" dirty="0">
+                <a:latin typeface="微軟正黑體" panose="020B0604030504040204" pitchFamily="34" charset="-120"/>
+                <a:ea typeface="微軟正黑體" panose="020B0604030504040204" pitchFamily="34" charset="-120"/>
+              </a:rPr>
+              <a:t>服務環境安全</a:t>
+            </a:r>
+            <a:endParaRPr lang="en-US" altLang="zh-TW" sz="6000" b="1" dirty="0">
+              <a:latin typeface="微軟正黑體" panose="020B0604030504040204" pitchFamily="34" charset="-120"/>
+              <a:ea typeface="微軟正黑體" panose="020B0604030504040204" pitchFamily="34" charset="-120"/>
+            </a:endParaRPr>
+          </a:p>
+          <a:p>
+            <a:endParaRPr lang="zh-TW" altLang="en-US" sz="6000" b="1" dirty="0">
+              <a:latin typeface="微軟正黑體" panose="020B0604030504040204" pitchFamily="34" charset="-120"/>
+              <a:ea typeface="微軟正黑體" panose="020B0604030504040204" pitchFamily="34" charset="-120"/>
+            </a:endParaRPr>
           </a:p>
         </p:txBody>
       </p:sp>
     </p:spTree>
     <p:extLst>
       <p:ext uri="{BB962C8B-B14F-4D97-AF65-F5344CB8AC3E}">
-        <p14:creationId xmlns:p14="http://schemas.microsoft.com/office/powerpoint/2010/main" val="1112840081"/>
+        <p14:creationId xmlns:p14="http://schemas.microsoft.com/office/powerpoint/2010/main" val="3991317913"/>
       </p:ext>
     </p:extLst>
   </p:cSld>
@@ -4141,6 +4147,530 @@
         </p:nvSpPr>
         <p:spPr>
           <a:xfrm>
+            <a:off x="618248" y="866448"/>
+            <a:ext cx="10885998" cy="1846659"/>
+          </a:xfrm>
+          <a:prstGeom prst="rect">
+            <a:avLst/>
+          </a:prstGeom>
+          <a:noFill/>
+        </p:spPr>
+        <p:txBody>
+          <a:bodyPr wrap="square" rtlCol="0">
+            <a:spAutoFit/>
+          </a:bodyPr>
+          <a:lstStyle/>
+          <a:p>
+            <a:r>
+              <a:rPr lang="zh-TW" altLang="en-US" sz="6000" b="1" dirty="0">
+                <a:latin typeface="微軟正黑體" panose="020B0604030504040204" pitchFamily="34" charset="-120"/>
+                <a:ea typeface="微軟正黑體" panose="020B0604030504040204" pitchFamily="34" charset="-120"/>
+              </a:rPr>
+              <a:t>機密資訊安全</a:t>
+            </a:r>
+            <a:endParaRPr kumimoji="1" lang="en-US" altLang="zh-TW" sz="6000" dirty="0">
+              <a:latin typeface="微軟正黑體" panose="020B0604030504040204" pitchFamily="34" charset="-120"/>
+              <a:ea typeface="微軟正黑體" panose="020B0604030504040204" pitchFamily="34" charset="-120"/>
+            </a:endParaRPr>
+          </a:p>
+          <a:p>
+            <a:endParaRPr lang="zh-TW" altLang="en-US" sz="5400" b="1" dirty="0">
+              <a:latin typeface="微軟正黑體" panose="020B0604030504040204" pitchFamily="34" charset="-120"/>
+              <a:ea typeface="微軟正黑體" panose="020B0604030504040204" pitchFamily="34" charset="-120"/>
+            </a:endParaRPr>
+          </a:p>
+        </p:txBody>
+      </p:sp>
+      <p:sp>
+        <p:nvSpPr>
+          <p:cNvPr id="3" name="文字方塊 2">
+            <a:extLst>
+              <a:ext uri="{FF2B5EF4-FFF2-40B4-BE49-F238E27FC236}">
+                <a16:creationId xmlns:a16="http://schemas.microsoft.com/office/drawing/2014/main" id="{D4AA29EA-679E-4682-8A6F-EA6E93A4F17E}"/>
+              </a:ext>
+            </a:extLst>
+          </p:cNvPr>
+          <p:cNvSpPr txBox="1"/>
+          <p:nvPr/>
+        </p:nvSpPr>
+        <p:spPr>
+          <a:xfrm>
+            <a:off x="825622" y="2243015"/>
+            <a:ext cx="11311669" cy="3135538"/>
+          </a:xfrm>
+          <a:prstGeom prst="rect">
+            <a:avLst/>
+          </a:prstGeom>
+          <a:noFill/>
+        </p:spPr>
+        <p:txBody>
+          <a:bodyPr wrap="square" rtlCol="0">
+            <a:spAutoFit/>
+          </a:bodyPr>
+          <a:lstStyle/>
+          <a:p>
+            <a:pPr marL="342900" indent="-342900">
+              <a:lnSpc>
+                <a:spcPct val="150000"/>
+              </a:lnSpc>
+              <a:buFont typeface="Arial" panose="020B0604020202020204" pitchFamily="34" charset="0"/>
+              <a:buChar char="•"/>
+            </a:pPr>
+            <a:r>
+              <a:rPr lang="zh-TW" altLang="en-US" sz="3400" dirty="0">
+                <a:latin typeface="微軟正黑體" panose="020B0604030504040204" pitchFamily="34" charset="-120"/>
+                <a:ea typeface="微軟正黑體" panose="020B0604030504040204" pitchFamily="34" charset="-120"/>
+              </a:rPr>
+              <a:t>機密資訊如金鑰、憑證，存放於遠端的安全硬體上</a:t>
+            </a:r>
+            <a:endParaRPr lang="en-US" altLang="zh-TW" sz="3400" dirty="0">
+              <a:latin typeface="微軟正黑體" panose="020B0604030504040204" pitchFamily="34" charset="-120"/>
+              <a:ea typeface="微軟正黑體" panose="020B0604030504040204" pitchFamily="34" charset="-120"/>
+            </a:endParaRPr>
+          </a:p>
+          <a:p>
+            <a:pPr marL="342900" indent="-342900">
+              <a:lnSpc>
+                <a:spcPct val="150000"/>
+              </a:lnSpc>
+              <a:buFont typeface="Arial" panose="020B0604020202020204" pitchFamily="34" charset="0"/>
+              <a:buChar char="•"/>
+            </a:pPr>
+            <a:r>
+              <a:rPr lang="zh-TW" altLang="en-US" sz="3400" dirty="0">
+                <a:latin typeface="微軟正黑體" panose="020B0604030504040204" pitchFamily="34" charset="-120"/>
+                <a:ea typeface="微軟正黑體" panose="020B0604030504040204" pitchFamily="34" charset="-120"/>
+              </a:rPr>
+              <a:t>需要敏感資料的程式與伺服器請求資訊</a:t>
+            </a:r>
+            <a:endParaRPr lang="en-US" altLang="zh-TW" sz="3400" dirty="0">
+              <a:latin typeface="微軟正黑體" panose="020B0604030504040204" pitchFamily="34" charset="-120"/>
+              <a:ea typeface="微軟正黑體" panose="020B0604030504040204" pitchFamily="34" charset="-120"/>
+            </a:endParaRPr>
+          </a:p>
+          <a:p>
+            <a:pPr marL="800100" lvl="1" indent="-342900">
+              <a:lnSpc>
+                <a:spcPct val="150000"/>
+              </a:lnSpc>
+              <a:buFont typeface="Arial" panose="020B0604020202020204" pitchFamily="34" charset="0"/>
+              <a:buChar char="•"/>
+            </a:pPr>
+            <a:r>
+              <a:rPr lang="zh-TW" altLang="en-US" sz="3400" dirty="0">
+                <a:latin typeface="微軟正黑體" panose="020B0604030504040204" pitchFamily="34" charset="-120"/>
+                <a:ea typeface="微軟正黑體" panose="020B0604030504040204" pitchFamily="34" charset="-120"/>
+              </a:rPr>
+              <a:t>藉此避免程式與環境內儲存機密資訊</a:t>
+            </a:r>
+            <a:endParaRPr lang="en-US" altLang="zh-TW" sz="3400" dirty="0">
+              <a:latin typeface="微軟正黑體" panose="020B0604030504040204" pitchFamily="34" charset="-120"/>
+              <a:ea typeface="微軟正黑體" panose="020B0604030504040204" pitchFamily="34" charset="-120"/>
+            </a:endParaRPr>
+          </a:p>
+          <a:p>
+            <a:pPr marL="342900" indent="-342900">
+              <a:lnSpc>
+                <a:spcPct val="150000"/>
+              </a:lnSpc>
+              <a:buFont typeface="Arial" panose="020B0604020202020204" pitchFamily="34" charset="0"/>
+              <a:buChar char="•"/>
+            </a:pPr>
+            <a:r>
+              <a:rPr lang="zh-TW" altLang="en-US" sz="3400" dirty="0">
+                <a:latin typeface="微軟正黑體" panose="020B0604030504040204" pitchFamily="34" charset="-120"/>
+                <a:ea typeface="微軟正黑體" panose="020B0604030504040204" pitchFamily="34" charset="-120"/>
+              </a:rPr>
+              <a:t>搭配</a:t>
+            </a:r>
+            <a:r>
+              <a:rPr lang="en-US" altLang="zh-TW" sz="3400" dirty="0">
+                <a:latin typeface="微軟正黑體" panose="020B0604030504040204" pitchFamily="34" charset="-120"/>
+                <a:ea typeface="微軟正黑體" panose="020B0604030504040204" pitchFamily="34" charset="-120"/>
+              </a:rPr>
+              <a:t>Secret Scanning</a:t>
+            </a:r>
+            <a:r>
+              <a:rPr lang="zh-TW" altLang="en-US" sz="3400" dirty="0">
+                <a:latin typeface="微軟正黑體" panose="020B0604030504040204" pitchFamily="34" charset="-120"/>
+                <a:ea typeface="微軟正黑體" panose="020B0604030504040204" pitchFamily="34" charset="-120"/>
+              </a:rPr>
+              <a:t>，</a:t>
+            </a:r>
+            <a:r>
+              <a:rPr lang="zh-TW" altLang="en-US" sz="3400" dirty="0">
+                <a:solidFill>
+                  <a:srgbClr val="FF0000"/>
+                </a:solidFill>
+                <a:latin typeface="微軟正黑體" panose="020B0604030504040204" pitchFamily="34" charset="-120"/>
+                <a:ea typeface="微軟正黑體" panose="020B0604030504040204" pitchFamily="34" charset="-120"/>
+              </a:rPr>
+              <a:t>主動掃描程式碼</a:t>
+            </a:r>
+            <a:r>
+              <a:rPr lang="zh-TW" altLang="en-US" sz="3400" dirty="0">
+                <a:latin typeface="微軟正黑體" panose="020B0604030504040204" pitchFamily="34" charset="-120"/>
+                <a:ea typeface="微軟正黑體" panose="020B0604030504040204" pitchFamily="34" charset="-120"/>
+              </a:rPr>
+              <a:t>並避免機密外洩</a:t>
+            </a:r>
+          </a:p>
+        </p:txBody>
+      </p:sp>
+    </p:spTree>
+    <p:extLst>
+      <p:ext uri="{BB962C8B-B14F-4D97-AF65-F5344CB8AC3E}">
+        <p14:creationId xmlns:p14="http://schemas.microsoft.com/office/powerpoint/2010/main" val="1324961350"/>
+      </p:ext>
+    </p:extLst>
+  </p:cSld>
+  <p:clrMapOvr>
+    <a:masterClrMapping/>
+  </p:clrMapOvr>
+</p:sld>
+</file>
+
+<file path=ppt/slides/slide12.xml><?xml version="1.0" encoding="utf-8"?>
+<p:sld xmlns:a="http://schemas.openxmlformats.org/drawingml/2006/main" xmlns:r="http://schemas.openxmlformats.org/officeDocument/2006/relationships" xmlns:p="http://schemas.openxmlformats.org/presentationml/2006/main">
+  <p:cSld>
+    <p:spTree>
+      <p:nvGrpSpPr>
+        <p:cNvPr id="1" name=""/>
+        <p:cNvGrpSpPr/>
+        <p:nvPr/>
+      </p:nvGrpSpPr>
+      <p:grpSpPr>
+        <a:xfrm>
+          <a:off x="0" y="0"/>
+          <a:ext cx="0" cy="0"/>
+          <a:chOff x="0" y="0"/>
+          <a:chExt cx="0" cy="0"/>
+        </a:xfrm>
+      </p:grpSpPr>
+      <p:sp>
+        <p:nvSpPr>
+          <p:cNvPr id="2" name="文字方塊 1">
+            <a:extLst>
+              <a:ext uri="{FF2B5EF4-FFF2-40B4-BE49-F238E27FC236}">
+                <a16:creationId xmlns:a16="http://schemas.microsoft.com/office/drawing/2014/main" id="{B4AB42E0-7A8E-4DA9-B525-041E31E1F55D}"/>
+              </a:ext>
+            </a:extLst>
+          </p:cNvPr>
+          <p:cNvSpPr txBox="1"/>
+          <p:nvPr/>
+        </p:nvSpPr>
+        <p:spPr>
+          <a:xfrm>
+            <a:off x="774557" y="866446"/>
+            <a:ext cx="8885258" cy="1015663"/>
+          </a:xfrm>
+          <a:prstGeom prst="rect">
+            <a:avLst/>
+          </a:prstGeom>
+          <a:noFill/>
+        </p:spPr>
+        <p:txBody>
+          <a:bodyPr wrap="square" rtlCol="0">
+            <a:spAutoFit/>
+          </a:bodyPr>
+          <a:lstStyle/>
+          <a:p>
+            <a:r>
+              <a:rPr lang="zh-TW" altLang="en-US" sz="6000" b="1" dirty="0">
+                <a:latin typeface="微軟正黑體" panose="020B0604030504040204" pitchFamily="34" charset="-120"/>
+                <a:ea typeface="微軟正黑體" panose="020B0604030504040204" pitchFamily="34" charset="-120"/>
+              </a:rPr>
+              <a:t>第三方套件安全</a:t>
+            </a:r>
+          </a:p>
+        </p:txBody>
+      </p:sp>
+      <p:sp>
+        <p:nvSpPr>
+          <p:cNvPr id="3" name="文字方塊 2">
+            <a:extLst>
+              <a:ext uri="{FF2B5EF4-FFF2-40B4-BE49-F238E27FC236}">
+                <a16:creationId xmlns:a16="http://schemas.microsoft.com/office/drawing/2014/main" id="{D4AA29EA-679E-4682-8A6F-EA6E93A4F17E}"/>
+              </a:ext>
+            </a:extLst>
+          </p:cNvPr>
+          <p:cNvSpPr txBox="1"/>
+          <p:nvPr/>
+        </p:nvSpPr>
+        <p:spPr>
+          <a:xfrm>
+            <a:off x="958788" y="2407138"/>
+            <a:ext cx="10428227" cy="2763129"/>
+          </a:xfrm>
+          <a:prstGeom prst="rect">
+            <a:avLst/>
+          </a:prstGeom>
+          <a:noFill/>
+        </p:spPr>
+        <p:txBody>
+          <a:bodyPr wrap="square" rtlCol="0">
+            <a:spAutoFit/>
+          </a:bodyPr>
+          <a:lstStyle/>
+          <a:p>
+            <a:pPr marL="342900" indent="-342900">
+              <a:lnSpc>
+                <a:spcPct val="150000"/>
+              </a:lnSpc>
+              <a:buFont typeface="Arial" panose="020B0604020202020204" pitchFamily="34" charset="0"/>
+              <a:buChar char="•"/>
+            </a:pPr>
+            <a:r>
+              <a:rPr kumimoji="1" lang="zh-TW" altLang="en-US" sz="4000" dirty="0">
+                <a:latin typeface="微軟正黑體" panose="020B0604030504040204" pitchFamily="34" charset="-120"/>
+                <a:ea typeface="微軟正黑體" panose="020B0604030504040204" pitchFamily="34" charset="-120"/>
+              </a:rPr>
+              <a:t>建立</a:t>
+            </a:r>
+            <a:r>
+              <a:rPr kumimoji="1" lang="zh-TW" altLang="en-US" sz="4000" dirty="0">
+                <a:solidFill>
+                  <a:srgbClr val="FF0000"/>
+                </a:solidFill>
+                <a:latin typeface="微軟正黑體" panose="020B0604030504040204" pitchFamily="34" charset="-120"/>
+                <a:ea typeface="微軟正黑體" panose="020B0604030504040204" pitchFamily="34" charset="-120"/>
+              </a:rPr>
+              <a:t>套件安全資料庫</a:t>
+            </a:r>
+            <a:endParaRPr kumimoji="1" lang="en-US" altLang="zh-TW" sz="4000" dirty="0">
+              <a:solidFill>
+                <a:srgbClr val="FF0000"/>
+              </a:solidFill>
+              <a:latin typeface="微軟正黑體" panose="020B0604030504040204" pitchFamily="34" charset="-120"/>
+              <a:ea typeface="微軟正黑體" panose="020B0604030504040204" pitchFamily="34" charset="-120"/>
+            </a:endParaRPr>
+          </a:p>
+          <a:p>
+            <a:pPr marL="342900" indent="-342900">
+              <a:lnSpc>
+                <a:spcPct val="150000"/>
+              </a:lnSpc>
+              <a:buFont typeface="Arial" panose="020B0604020202020204" pitchFamily="34" charset="0"/>
+              <a:buChar char="•"/>
+            </a:pPr>
+            <a:r>
+              <a:rPr kumimoji="1" lang="zh-TW" altLang="en-US" sz="4000" dirty="0">
+                <a:solidFill>
+                  <a:srgbClr val="FF0000"/>
+                </a:solidFill>
+                <a:latin typeface="微軟正黑體" panose="020B0604030504040204" pitchFamily="34" charset="-120"/>
+                <a:ea typeface="微軟正黑體" panose="020B0604030504040204" pitchFamily="34" charset="-120"/>
+              </a:rPr>
+              <a:t>主動追蹤</a:t>
+            </a:r>
+            <a:r>
+              <a:rPr kumimoji="1" lang="zh-TW" altLang="en-US" sz="4000" dirty="0">
+                <a:latin typeface="微軟正黑體" panose="020B0604030504040204" pitchFamily="34" charset="-120"/>
+                <a:ea typeface="微軟正黑體" panose="020B0604030504040204" pitchFamily="34" charset="-120"/>
+              </a:rPr>
+              <a:t>不同第三方套件的程式碼覆蓋率</a:t>
+            </a:r>
+            <a:endParaRPr kumimoji="1" lang="en-US" altLang="zh-TW" sz="4000" dirty="0">
+              <a:latin typeface="微軟正黑體" panose="020B0604030504040204" pitchFamily="34" charset="-120"/>
+              <a:ea typeface="微軟正黑體" panose="020B0604030504040204" pitchFamily="34" charset="-120"/>
+            </a:endParaRPr>
+          </a:p>
+          <a:p>
+            <a:pPr marL="342900" indent="-342900">
+              <a:lnSpc>
+                <a:spcPct val="150000"/>
+              </a:lnSpc>
+              <a:buFont typeface="Arial" panose="020B0604020202020204" pitchFamily="34" charset="0"/>
+              <a:buChar char="•"/>
+            </a:pPr>
+            <a:r>
+              <a:rPr kumimoji="1" lang="zh-TW" altLang="en-US" sz="4000" dirty="0">
+                <a:latin typeface="微軟正黑體" panose="020B0604030504040204" pitchFamily="34" charset="-120"/>
+                <a:ea typeface="微軟正黑體" panose="020B0604030504040204" pitchFamily="34" charset="-120"/>
+              </a:rPr>
+              <a:t>結合上述後提供修正建議給開發人員</a:t>
+            </a:r>
+            <a:endParaRPr lang="zh-TW" altLang="en-US" sz="4000" dirty="0"/>
+          </a:p>
+        </p:txBody>
+      </p:sp>
+    </p:spTree>
+    <p:extLst>
+      <p:ext uri="{BB962C8B-B14F-4D97-AF65-F5344CB8AC3E}">
+        <p14:creationId xmlns:p14="http://schemas.microsoft.com/office/powerpoint/2010/main" val="2548025310"/>
+      </p:ext>
+    </p:extLst>
+  </p:cSld>
+  <p:clrMapOvr>
+    <a:masterClrMapping/>
+  </p:clrMapOvr>
+</p:sld>
+</file>
+
+<file path=ppt/slides/slide13.xml><?xml version="1.0" encoding="utf-8"?>
+<p:sld xmlns:a="http://schemas.openxmlformats.org/drawingml/2006/main" xmlns:r="http://schemas.openxmlformats.org/officeDocument/2006/relationships" xmlns:p="http://schemas.openxmlformats.org/presentationml/2006/main">
+  <p:cSld>
+    <p:spTree>
+      <p:nvGrpSpPr>
+        <p:cNvPr id="1" name=""/>
+        <p:cNvGrpSpPr/>
+        <p:nvPr/>
+      </p:nvGrpSpPr>
+      <p:grpSpPr>
+        <a:xfrm>
+          <a:off x="0" y="0"/>
+          <a:ext cx="0" cy="0"/>
+          <a:chOff x="0" y="0"/>
+          <a:chExt cx="0" cy="0"/>
+        </a:xfrm>
+      </p:grpSpPr>
+      <p:sp>
+        <p:nvSpPr>
+          <p:cNvPr id="2" name="文字方塊 1">
+            <a:extLst>
+              <a:ext uri="{FF2B5EF4-FFF2-40B4-BE49-F238E27FC236}">
+                <a16:creationId xmlns:a16="http://schemas.microsoft.com/office/drawing/2014/main" id="{B4AB42E0-7A8E-4DA9-B525-041E31E1F55D}"/>
+              </a:ext>
+            </a:extLst>
+          </p:cNvPr>
+          <p:cNvSpPr txBox="1"/>
+          <p:nvPr/>
+        </p:nvSpPr>
+        <p:spPr>
+          <a:xfrm>
+            <a:off x="758925" y="811738"/>
+            <a:ext cx="4868152" cy="1015663"/>
+          </a:xfrm>
+          <a:prstGeom prst="rect">
+            <a:avLst/>
+          </a:prstGeom>
+          <a:noFill/>
+        </p:spPr>
+        <p:txBody>
+          <a:bodyPr wrap="square" rtlCol="0">
+            <a:spAutoFit/>
+          </a:bodyPr>
+          <a:lstStyle/>
+          <a:p>
+            <a:r>
+              <a:rPr lang="zh-TW" altLang="en-US" sz="6000" b="1" dirty="0">
+                <a:latin typeface="微軟正黑體" panose="020B0604030504040204" pitchFamily="34" charset="-120"/>
+                <a:ea typeface="微軟正黑體" panose="020B0604030504040204" pitchFamily="34" charset="-120"/>
+              </a:rPr>
+              <a:t>程式安全</a:t>
+            </a:r>
+          </a:p>
+        </p:txBody>
+      </p:sp>
+      <p:sp>
+        <p:nvSpPr>
+          <p:cNvPr id="3" name="文字方塊 2">
+            <a:extLst>
+              <a:ext uri="{FF2B5EF4-FFF2-40B4-BE49-F238E27FC236}">
+                <a16:creationId xmlns:a16="http://schemas.microsoft.com/office/drawing/2014/main" id="{D4AA29EA-679E-4682-8A6F-EA6E93A4F17E}"/>
+              </a:ext>
+            </a:extLst>
+          </p:cNvPr>
+          <p:cNvSpPr txBox="1"/>
+          <p:nvPr/>
+        </p:nvSpPr>
+        <p:spPr>
+          <a:xfrm>
+            <a:off x="949910" y="2843046"/>
+            <a:ext cx="7466119" cy="2172582"/>
+          </a:xfrm>
+          <a:prstGeom prst="rect">
+            <a:avLst/>
+          </a:prstGeom>
+          <a:noFill/>
+        </p:spPr>
+        <p:txBody>
+          <a:bodyPr wrap="square" rtlCol="0">
+            <a:spAutoFit/>
+          </a:bodyPr>
+          <a:lstStyle/>
+          <a:p>
+            <a:pPr marL="457200" indent="-457200">
+              <a:lnSpc>
+                <a:spcPct val="150000"/>
+              </a:lnSpc>
+              <a:buFont typeface="Arial" panose="020B0604020202020204" pitchFamily="34" charset="0"/>
+              <a:buChar char="•"/>
+            </a:pPr>
+            <a:r>
+              <a:rPr lang="zh-TW" altLang="en-US" sz="4800" dirty="0">
+                <a:latin typeface="微軟正黑體" panose="020B0604030504040204" pitchFamily="34" charset="-120"/>
+                <a:ea typeface="微軟正黑體" panose="020B0604030504040204" pitchFamily="34" charset="-120"/>
+              </a:rPr>
+              <a:t>自動化程式安全測試</a:t>
+            </a:r>
+            <a:endParaRPr lang="en-US" altLang="zh-TW" sz="4800" dirty="0">
+              <a:latin typeface="微軟正黑體" panose="020B0604030504040204" pitchFamily="34" charset="-120"/>
+              <a:ea typeface="微軟正黑體" panose="020B0604030504040204" pitchFamily="34" charset="-120"/>
+            </a:endParaRPr>
+          </a:p>
+          <a:p>
+            <a:pPr marL="914400" lvl="1" indent="-457200">
+              <a:lnSpc>
+                <a:spcPct val="150000"/>
+              </a:lnSpc>
+              <a:buFont typeface="Arial" panose="020B0604020202020204" pitchFamily="34" charset="0"/>
+              <a:buChar char="•"/>
+            </a:pPr>
+            <a:r>
+              <a:rPr lang="zh-TW" altLang="en-US" sz="4800" dirty="0">
+                <a:latin typeface="微軟正黑體" panose="020B0604030504040204" pitchFamily="34" charset="-120"/>
+                <a:ea typeface="微軟正黑體" panose="020B0604030504040204" pitchFamily="34" charset="-120"/>
+              </a:rPr>
+              <a:t>邊界條件測試</a:t>
+            </a:r>
+          </a:p>
+        </p:txBody>
+      </p:sp>
+    </p:spTree>
+    <p:extLst>
+      <p:ext uri="{BB962C8B-B14F-4D97-AF65-F5344CB8AC3E}">
+        <p14:creationId xmlns:p14="http://schemas.microsoft.com/office/powerpoint/2010/main" val="1112840081"/>
+      </p:ext>
+    </p:extLst>
+  </p:cSld>
+  <p:clrMapOvr>
+    <a:masterClrMapping/>
+  </p:clrMapOvr>
+</p:sld>
+</file>
+
+<file path=ppt/slides/slide14.xml><?xml version="1.0" encoding="utf-8"?>
+<p:sld xmlns:a="http://schemas.openxmlformats.org/drawingml/2006/main" xmlns:r="http://schemas.openxmlformats.org/officeDocument/2006/relationships" xmlns:p="http://schemas.openxmlformats.org/presentationml/2006/main">
+  <p:cSld>
+    <p:spTree>
+      <p:nvGrpSpPr>
+        <p:cNvPr id="1" name=""/>
+        <p:cNvGrpSpPr/>
+        <p:nvPr/>
+      </p:nvGrpSpPr>
+      <p:grpSpPr>
+        <a:xfrm>
+          <a:off x="0" y="0"/>
+          <a:ext cx="0" cy="0"/>
+          <a:chOff x="0" y="0"/>
+          <a:chExt cx="0" cy="0"/>
+        </a:xfrm>
+      </p:grpSpPr>
+      <p:sp>
+        <p:nvSpPr>
+          <p:cNvPr id="2" name="文字方塊 1">
+            <a:extLst>
+              <a:ext uri="{FF2B5EF4-FFF2-40B4-BE49-F238E27FC236}">
+                <a16:creationId xmlns:a16="http://schemas.microsoft.com/office/drawing/2014/main" id="{B4AB42E0-7A8E-4DA9-B525-041E31E1F55D}"/>
+              </a:ext>
+            </a:extLst>
+          </p:cNvPr>
+          <p:cNvSpPr txBox="1"/>
+          <p:nvPr/>
+        </p:nvSpPr>
+        <p:spPr>
+          <a:xfrm>
             <a:off x="704218" y="749216"/>
             <a:ext cx="5008828" cy="1015663"/>
           </a:xfrm>
@@ -4330,7 +4860,7 @@
 </p:sld>
 </file>
 
-<file path=ppt/slides/slide12.xml><?xml version="1.0" encoding="utf-8"?>
+<file path=ppt/slides/slide15.xml><?xml version="1.0" encoding="utf-8"?>
 <p:sld xmlns:a="http://schemas.openxmlformats.org/drawingml/2006/main" xmlns:r="http://schemas.openxmlformats.org/officeDocument/2006/relationships" xmlns:p="http://schemas.openxmlformats.org/presentationml/2006/main">
   <p:cSld>
     <p:spTree>
@@ -4514,10 +5044,333 @@
   <p:clrMapOvr>
     <a:masterClrMapping/>
   </p:clrMapOvr>
+  <p:timing>
+    <p:tnLst>
+      <p:par>
+        <p:cTn id="1" dur="indefinite" restart="never" nodeType="tmRoot">
+          <p:childTnLst>
+            <p:seq concurrent="1" nextAc="seek">
+              <p:cTn id="2" dur="indefinite" nodeType="mainSeq">
+                <p:childTnLst>
+                  <p:par>
+                    <p:cTn id="3" fill="hold">
+                      <p:stCondLst>
+                        <p:cond delay="indefinite"/>
+                      </p:stCondLst>
+                      <p:childTnLst>
+                        <p:par>
+                          <p:cTn id="4" fill="hold">
+                            <p:stCondLst>
+                              <p:cond delay="0"/>
+                            </p:stCondLst>
+                            <p:childTnLst>
+                              <p:par>
+                                <p:cTn id="5" presetID="2" presetClass="entr" presetSubtype="4" fill="hold" nodeType="clickEffect">
+                                  <p:stCondLst>
+                                    <p:cond delay="0"/>
+                                  </p:stCondLst>
+                                  <p:childTnLst>
+                                    <p:set>
+                                      <p:cBhvr>
+                                        <p:cTn id="6" dur="1" fill="hold">
+                                          <p:stCondLst>
+                                            <p:cond delay="0"/>
+                                          </p:stCondLst>
+                                        </p:cTn>
+                                        <p:tgtEl>
+                                          <p:spTgt spid="10"/>
+                                        </p:tgtEl>
+                                        <p:attrNameLst>
+                                          <p:attrName>style.visibility</p:attrName>
+                                        </p:attrNameLst>
+                                      </p:cBhvr>
+                                      <p:to>
+                                        <p:strVal val="visible"/>
+                                      </p:to>
+                                    </p:set>
+                                    <p:anim calcmode="lin" valueType="num">
+                                      <p:cBhvr additive="base">
+                                        <p:cTn id="7" dur="500" fill="hold"/>
+                                        <p:tgtEl>
+                                          <p:spTgt spid="10"/>
+                                        </p:tgtEl>
+                                        <p:attrNameLst>
+                                          <p:attrName>ppt_x</p:attrName>
+                                        </p:attrNameLst>
+                                      </p:cBhvr>
+                                      <p:tavLst>
+                                        <p:tav tm="0">
+                                          <p:val>
+                                            <p:strVal val="#ppt_x"/>
+                                          </p:val>
+                                        </p:tav>
+                                        <p:tav tm="100000">
+                                          <p:val>
+                                            <p:strVal val="#ppt_x"/>
+                                          </p:val>
+                                        </p:tav>
+                                      </p:tavLst>
+                                    </p:anim>
+                                    <p:anim calcmode="lin" valueType="num">
+                                      <p:cBhvr additive="base">
+                                        <p:cTn id="8" dur="500" fill="hold"/>
+                                        <p:tgtEl>
+                                          <p:spTgt spid="10"/>
+                                        </p:tgtEl>
+                                        <p:attrNameLst>
+                                          <p:attrName>ppt_y</p:attrName>
+                                        </p:attrNameLst>
+                                      </p:cBhvr>
+                                      <p:tavLst>
+                                        <p:tav tm="0">
+                                          <p:val>
+                                            <p:strVal val="1+#ppt_h/2"/>
+                                          </p:val>
+                                        </p:tav>
+                                        <p:tav tm="100000">
+                                          <p:val>
+                                            <p:strVal val="#ppt_y"/>
+                                          </p:val>
+                                        </p:tav>
+                                      </p:tavLst>
+                                    </p:anim>
+                                  </p:childTnLst>
+                                </p:cTn>
+                              </p:par>
+                            </p:childTnLst>
+                          </p:cTn>
+                        </p:par>
+                        <p:par>
+                          <p:cTn id="9" fill="hold">
+                            <p:stCondLst>
+                              <p:cond delay="500"/>
+                            </p:stCondLst>
+                            <p:childTnLst>
+                              <p:par>
+                                <p:cTn id="10" presetID="2" presetClass="entr" presetSubtype="4" fill="hold" grpId="0" nodeType="afterEffect">
+                                  <p:stCondLst>
+                                    <p:cond delay="0"/>
+                                  </p:stCondLst>
+                                  <p:childTnLst>
+                                    <p:set>
+                                      <p:cBhvr>
+                                        <p:cTn id="11" dur="1" fill="hold">
+                                          <p:stCondLst>
+                                            <p:cond delay="0"/>
+                                          </p:stCondLst>
+                                        </p:cTn>
+                                        <p:tgtEl>
+                                          <p:spTgt spid="3"/>
+                                        </p:tgtEl>
+                                        <p:attrNameLst>
+                                          <p:attrName>style.visibility</p:attrName>
+                                        </p:attrNameLst>
+                                      </p:cBhvr>
+                                      <p:to>
+                                        <p:strVal val="visible"/>
+                                      </p:to>
+                                    </p:set>
+                                    <p:anim calcmode="lin" valueType="num">
+                                      <p:cBhvr additive="base">
+                                        <p:cTn id="12" dur="500" fill="hold"/>
+                                        <p:tgtEl>
+                                          <p:spTgt spid="3"/>
+                                        </p:tgtEl>
+                                        <p:attrNameLst>
+                                          <p:attrName>ppt_x</p:attrName>
+                                        </p:attrNameLst>
+                                      </p:cBhvr>
+                                      <p:tavLst>
+                                        <p:tav tm="0">
+                                          <p:val>
+                                            <p:strVal val="#ppt_x"/>
+                                          </p:val>
+                                        </p:tav>
+                                        <p:tav tm="100000">
+                                          <p:val>
+                                            <p:strVal val="#ppt_x"/>
+                                          </p:val>
+                                        </p:tav>
+                                      </p:tavLst>
+                                    </p:anim>
+                                    <p:anim calcmode="lin" valueType="num">
+                                      <p:cBhvr additive="base">
+                                        <p:cTn id="13" dur="500" fill="hold"/>
+                                        <p:tgtEl>
+                                          <p:spTgt spid="3"/>
+                                        </p:tgtEl>
+                                        <p:attrNameLst>
+                                          <p:attrName>ppt_y</p:attrName>
+                                        </p:attrNameLst>
+                                      </p:cBhvr>
+                                      <p:tavLst>
+                                        <p:tav tm="0">
+                                          <p:val>
+                                            <p:strVal val="1+#ppt_h/2"/>
+                                          </p:val>
+                                        </p:tav>
+                                        <p:tav tm="100000">
+                                          <p:val>
+                                            <p:strVal val="#ppt_y"/>
+                                          </p:val>
+                                        </p:tav>
+                                      </p:tavLst>
+                                    </p:anim>
+                                  </p:childTnLst>
+                                </p:cTn>
+                              </p:par>
+                            </p:childTnLst>
+                          </p:cTn>
+                        </p:par>
+                        <p:par>
+                          <p:cTn id="14" fill="hold">
+                            <p:stCondLst>
+                              <p:cond delay="1000"/>
+                            </p:stCondLst>
+                            <p:childTnLst>
+                              <p:par>
+                                <p:cTn id="15" presetID="3" presetClass="emph" presetSubtype="2" fill="hold" grpId="1" nodeType="afterEffect">
+                                  <p:stCondLst>
+                                    <p:cond delay="0"/>
+                                  </p:stCondLst>
+                                  <p:childTnLst>
+                                    <p:animClr clrSpc="rgb" dir="cw">
+                                      <p:cBhvr override="childStyle">
+                                        <p:cTn id="16" dur="1000" fill="hold"/>
+                                        <p:tgtEl>
+                                          <p:spTgt spid="3"/>
+                                        </p:tgtEl>
+                                        <p:attrNameLst>
+                                          <p:attrName>style.color</p:attrName>
+                                        </p:attrNameLst>
+                                      </p:cBhvr>
+                                      <p:to>
+                                        <a:srgbClr val="FF0000"/>
+                                      </p:to>
+                                    </p:animClr>
+                                  </p:childTnLst>
+                                </p:cTn>
+                              </p:par>
+                            </p:childTnLst>
+                          </p:cTn>
+                        </p:par>
+                      </p:childTnLst>
+                    </p:cTn>
+                  </p:par>
+                  <p:par>
+                    <p:cTn id="17" fill="hold">
+                      <p:stCondLst>
+                        <p:cond delay="indefinite"/>
+                      </p:stCondLst>
+                      <p:childTnLst>
+                        <p:par>
+                          <p:cTn id="18" fill="hold">
+                            <p:stCondLst>
+                              <p:cond delay="0"/>
+                            </p:stCondLst>
+                            <p:childTnLst>
+                              <p:par>
+                                <p:cTn id="19" presetID="27" presetClass="emph" presetSubtype="0" fill="remove" grpId="2" nodeType="clickEffect">
+                                  <p:stCondLst>
+                                    <p:cond delay="0"/>
+                                  </p:stCondLst>
+                                  <p:childTnLst>
+                                    <p:animClr clrSpc="rgb" dir="cw">
+                                      <p:cBhvr override="childStyle">
+                                        <p:cTn id="20" dur="250" autoRev="1" fill="remove"/>
+                                        <p:tgtEl>
+                                          <p:spTgt spid="3"/>
+                                        </p:tgtEl>
+                                        <p:attrNameLst>
+                                          <p:attrName>style.color</p:attrName>
+                                        </p:attrNameLst>
+                                      </p:cBhvr>
+                                      <p:to>
+                                        <a:schemeClr val="bg1"/>
+                                      </p:to>
+                                    </p:animClr>
+                                    <p:animClr clrSpc="rgb" dir="cw">
+                                      <p:cBhvr>
+                                        <p:cTn id="21" dur="250" autoRev="1" fill="remove"/>
+                                        <p:tgtEl>
+                                          <p:spTgt spid="3"/>
+                                        </p:tgtEl>
+                                        <p:attrNameLst>
+                                          <p:attrName>fillcolor</p:attrName>
+                                        </p:attrNameLst>
+                                      </p:cBhvr>
+                                      <p:to>
+                                        <a:schemeClr val="bg1"/>
+                                      </p:to>
+                                    </p:animClr>
+                                    <p:set>
+                                      <p:cBhvr>
+                                        <p:cTn id="22" dur="250" autoRev="1" fill="remove"/>
+                                        <p:tgtEl>
+                                          <p:spTgt spid="3"/>
+                                        </p:tgtEl>
+                                        <p:attrNameLst>
+                                          <p:attrName>fill.type</p:attrName>
+                                        </p:attrNameLst>
+                                      </p:cBhvr>
+                                      <p:to>
+                                        <p:strVal val="solid"/>
+                                      </p:to>
+                                    </p:set>
+                                    <p:set>
+                                      <p:cBhvr>
+                                        <p:cTn id="23" dur="250" autoRev="1" fill="remove"/>
+                                        <p:tgtEl>
+                                          <p:spTgt spid="3"/>
+                                        </p:tgtEl>
+                                        <p:attrNameLst>
+                                          <p:attrName>fill.on</p:attrName>
+                                        </p:attrNameLst>
+                                      </p:cBhvr>
+                                      <p:to>
+                                        <p:strVal val="true"/>
+                                      </p:to>
+                                    </p:set>
+                                  </p:childTnLst>
+                                </p:cTn>
+                              </p:par>
+                            </p:childTnLst>
+                          </p:cTn>
+                        </p:par>
+                      </p:childTnLst>
+                    </p:cTn>
+                  </p:par>
+                </p:childTnLst>
+              </p:cTn>
+              <p:prevCondLst>
+                <p:cond evt="onPrev" delay="0">
+                  <p:tgtEl>
+                    <p:sldTgt/>
+                  </p:tgtEl>
+                </p:cond>
+              </p:prevCondLst>
+              <p:nextCondLst>
+                <p:cond evt="onNext" delay="0">
+                  <p:tgtEl>
+                    <p:sldTgt/>
+                  </p:tgtEl>
+                </p:cond>
+              </p:nextCondLst>
+            </p:seq>
+          </p:childTnLst>
+        </p:cTn>
+      </p:par>
+    </p:tnLst>
+    <p:bldLst>
+      <p:bldP spid="3" grpId="0"/>
+      <p:bldP spid="3" grpId="1"/>
+      <p:bldP spid="3" grpId="2"/>
+    </p:bldLst>
+  </p:timing>
 </p:sld>
 </file>
 
-<file path=ppt/slides/slide13.xml><?xml version="1.0" encoding="utf-8"?>
+<file path=ppt/slides/slide16.xml><?xml version="1.0" encoding="utf-8"?>
 <p:sld xmlns:a="http://schemas.openxmlformats.org/drawingml/2006/main" xmlns:r="http://schemas.openxmlformats.org/officeDocument/2006/relationships" xmlns:p="http://schemas.openxmlformats.org/presentationml/2006/main">
   <p:cSld>
     <p:spTree>
@@ -4666,7 +5519,7 @@
 </p:sld>
 </file>
 
-<file path=ppt/slides/slide14.xml><?xml version="1.0" encoding="utf-8"?>
+<file path=ppt/slides/slide17.xml><?xml version="1.0" encoding="utf-8"?>
 <p:sld xmlns:a="http://schemas.openxmlformats.org/drawingml/2006/main" xmlns:r="http://schemas.openxmlformats.org/officeDocument/2006/relationships" xmlns:p="http://schemas.openxmlformats.org/presentationml/2006/main">
   <p:cSld>
     <p:spTree>
@@ -4855,7 +5708,7 @@
 </p:sld>
 </file>
 
-<file path=ppt/slides/slide15.xml><?xml version="1.0" encoding="utf-8"?>
+<file path=ppt/slides/slide18.xml><?xml version="1.0" encoding="utf-8"?>
 <p:sld xmlns:a="http://schemas.openxmlformats.org/drawingml/2006/main" xmlns:r="http://schemas.openxmlformats.org/officeDocument/2006/relationships" xmlns:p="http://schemas.openxmlformats.org/presentationml/2006/main">
   <p:cSld>
     <p:spTree>
@@ -5852,7 +6705,7 @@
         </p:nvGrpSpPr>
         <p:grpSpPr>
           <a:xfrm>
-            <a:off x="5933959" y="236312"/>
+            <a:off x="4808537" y="236312"/>
             <a:ext cx="2254830" cy="1385446"/>
             <a:chOff x="5816221" y="112842"/>
             <a:chExt cx="2254830" cy="1385446"/>
@@ -5950,7 +6803,7 @@
         </p:nvGrpSpPr>
         <p:grpSpPr>
           <a:xfrm>
-            <a:off x="2762131" y="4574207"/>
+            <a:off x="1636709" y="4574207"/>
             <a:ext cx="2722422" cy="1250879"/>
             <a:chOff x="2714600" y="4254818"/>
             <a:chExt cx="2722422" cy="1250879"/>
@@ -6048,7 +6901,7 @@
         </p:nvSpPr>
         <p:spPr>
           <a:xfrm>
-            <a:off x="5933959" y="3255418"/>
+            <a:off x="4808537" y="3255418"/>
             <a:ext cx="2401455" cy="830997"/>
           </a:xfrm>
           <a:prstGeom prst="rect">
@@ -6075,44 +6928,6 @@
           </a:p>
         </p:txBody>
       </p:sp>
-      <p:sp>
-        <p:nvSpPr>
-          <p:cNvPr id="20" name="文字方塊 19">
-            <a:extLst>
-              <a:ext uri="{FF2B5EF4-FFF2-40B4-BE49-F238E27FC236}">
-                <a16:creationId xmlns:a16="http://schemas.microsoft.com/office/drawing/2014/main" id="{408395C0-B05D-4422-8569-A94902D259B9}"/>
-              </a:ext>
-            </a:extLst>
-          </p:cNvPr>
-          <p:cNvSpPr txBox="1"/>
-          <p:nvPr/>
-        </p:nvSpPr>
-        <p:spPr>
-          <a:xfrm>
-            <a:off x="378257" y="421204"/>
-            <a:ext cx="4767749" cy="1015663"/>
-          </a:xfrm>
-          <a:prstGeom prst="rect">
-            <a:avLst/>
-          </a:prstGeom>
-          <a:noFill/>
-        </p:spPr>
-        <p:txBody>
-          <a:bodyPr wrap="square" rtlCol="0">
-            <a:spAutoFit/>
-          </a:bodyPr>
-          <a:lstStyle/>
-          <a:p>
-            <a:r>
-              <a:rPr lang="zh-TW" altLang="en-US" sz="6000" b="1" dirty="0">
-                <a:latin typeface="微軟正黑體" panose="020B0604030504040204" pitchFamily="34" charset="-120"/>
-                <a:ea typeface="微軟正黑體" panose="020B0604030504040204" pitchFamily="34" charset="-120"/>
-              </a:rPr>
-              <a:t>弱點管理系統</a:t>
-            </a:r>
-          </a:p>
-        </p:txBody>
-      </p:sp>
       <p:grpSp>
         <p:nvGrpSpPr>
           <p:cNvPr id="11" name="群組 10">
@@ -6127,7 +6942,7 @@
         </p:nvGrpSpPr>
         <p:grpSpPr>
           <a:xfrm>
-            <a:off x="9356781" y="4574207"/>
+            <a:off x="8231359" y="4574207"/>
             <a:ext cx="2647374" cy="1282136"/>
             <a:chOff x="9059796" y="4222100"/>
             <a:chExt cx="2647374" cy="1282136"/>
@@ -6225,7 +7040,7 @@
         </p:nvGrpSpPr>
         <p:grpSpPr>
           <a:xfrm>
-            <a:off x="4855892" y="1943137"/>
+            <a:off x="3730470" y="1943137"/>
             <a:ext cx="4175488" cy="3473313"/>
             <a:chOff x="989883" y="2169121"/>
             <a:chExt cx="2468015" cy="2052979"/>
@@ -6377,7 +7192,7 @@
         <p:spPr>
           <a:xfrm>
             <a:off x="618248" y="866448"/>
-            <a:ext cx="10885998" cy="1846659"/>
+            <a:ext cx="10885998" cy="1015663"/>
           </a:xfrm>
           <a:prstGeom prst="rect">
             <a:avLst/>
@@ -6395,14 +7210,8 @@
                 <a:latin typeface="微軟正黑體" panose="020B0604030504040204" pitchFamily="34" charset="-120"/>
                 <a:ea typeface="微軟正黑體" panose="020B0604030504040204" pitchFamily="34" charset="-120"/>
               </a:rPr>
-              <a:t>機密資訊安全</a:t>
-            </a:r>
-            <a:endParaRPr kumimoji="1" lang="en-US" altLang="zh-TW" sz="6000" dirty="0">
-              <a:latin typeface="微軟正黑體" panose="020B0604030504040204" pitchFamily="34" charset="-120"/>
-              <a:ea typeface="微軟正黑體" panose="020B0604030504040204" pitchFamily="34" charset="-120"/>
-            </a:endParaRPr>
-          </a:p>
-          <a:p>
+              <a:t>弱點管理系統</a:t>
+            </a:r>
             <a:endParaRPr lang="zh-TW" altLang="en-US" sz="5400" b="1" dirty="0">
               <a:latin typeface="微軟正黑體" panose="020B0604030504040204" pitchFamily="34" charset="-120"/>
               <a:ea typeface="微軟正黑體" panose="020B0604030504040204" pitchFamily="34" charset="-120"/>
@@ -6412,10 +7221,10 @@
       </p:sp>
       <p:sp>
         <p:nvSpPr>
-          <p:cNvPr id="3" name="文字方塊 2">
-            <a:extLst>
-              <a:ext uri="{FF2B5EF4-FFF2-40B4-BE49-F238E27FC236}">
-                <a16:creationId xmlns:a16="http://schemas.microsoft.com/office/drawing/2014/main" id="{D4AA29EA-679E-4682-8A6F-EA6E93A4F17E}"/>
+          <p:cNvPr id="7" name="文字方塊 6">
+            <a:extLst>
+              <a:ext uri="{FF2B5EF4-FFF2-40B4-BE49-F238E27FC236}">
+                <a16:creationId xmlns:a16="http://schemas.microsoft.com/office/drawing/2014/main" id="{AD256DF8-6E7A-4D22-9767-FFBC5D6E4D87}"/>
               </a:ext>
             </a:extLst>
           </p:cNvPr>
@@ -6424,8 +7233,8 @@
         </p:nvSpPr>
         <p:spPr>
           <a:xfrm>
-            <a:off x="825622" y="2243015"/>
-            <a:ext cx="11311669" cy="3135538"/>
+            <a:off x="735480" y="2429367"/>
+            <a:ext cx="11456520" cy="3014928"/>
           </a:xfrm>
           <a:prstGeom prst="rect">
             <a:avLst/>
@@ -6438,7 +7247,7 @@
           </a:bodyPr>
           <a:lstStyle/>
           <a:p>
-            <a:pPr marL="342900" indent="-342900">
+            <a:pPr marL="457200" indent="-457200">
               <a:lnSpc>
                 <a:spcPct val="150000"/>
               </a:lnSpc>
@@ -6446,19 +7255,54 @@
               <a:buChar char="•"/>
             </a:pPr>
             <a:r>
-              <a:rPr lang="zh-TW" altLang="en-US" sz="3400" dirty="0">
-                <a:latin typeface="微軟正黑體" panose="020B0604030504040204" pitchFamily="34" charset="-120"/>
-                <a:ea typeface="微軟正黑體" panose="020B0604030504040204" pitchFamily="34" charset="-120"/>
-              </a:rPr>
-              <a:t>機密資訊如金鑰、憑證，存放於遠端的安全硬體上</a:t>
-            </a:r>
-            <a:endParaRPr lang="en-US" altLang="zh-TW" sz="3400" dirty="0">
+              <a:rPr lang="zh-TW" altLang="en-US" sz="4400" dirty="0">
+                <a:latin typeface="微軟正黑體" panose="020B0604030504040204" pitchFamily="34" charset="-120"/>
+                <a:ea typeface="微軟正黑體" panose="020B0604030504040204" pitchFamily="34" charset="-120"/>
+              </a:rPr>
+              <a:t>自動化</a:t>
+            </a:r>
+            <a:r>
+              <a:rPr lang="en-US" altLang="zh-TW" sz="4400" dirty="0">
+                <a:latin typeface="微軟正黑體" panose="020B0604030504040204" pitchFamily="34" charset="-120"/>
+                <a:ea typeface="微軟正黑體" panose="020B0604030504040204" pitchFamily="34" charset="-120"/>
+              </a:rPr>
+              <a:t>!</a:t>
+            </a:r>
+            <a:r>
+              <a:rPr lang="zh-TW" altLang="en-US" sz="4400" dirty="0">
+                <a:latin typeface="微軟正黑體" panose="020B0604030504040204" pitchFamily="34" charset="-120"/>
+                <a:ea typeface="微軟正黑體" panose="020B0604030504040204" pitchFamily="34" charset="-120"/>
+              </a:rPr>
+              <a:t> 結合資安</a:t>
+            </a:r>
+            <a:r>
+              <a:rPr lang="en-US" altLang="zh-TW" sz="4400" dirty="0">
+                <a:latin typeface="微軟正黑體" panose="020B0604030504040204" pitchFamily="34" charset="-120"/>
+                <a:ea typeface="微軟正黑體" panose="020B0604030504040204" pitchFamily="34" charset="-120"/>
+              </a:rPr>
+              <a:t>123 </a:t>
+            </a:r>
+            <a:r>
+              <a:rPr lang="zh-TW" altLang="en-US" sz="4400" dirty="0">
+                <a:latin typeface="微軟正黑體" panose="020B0604030504040204" pitchFamily="34" charset="-120"/>
+                <a:ea typeface="微軟正黑體" panose="020B0604030504040204" pitchFamily="34" charset="-120"/>
+              </a:rPr>
+              <a:t> </a:t>
+            </a:r>
+            <a:r>
+              <a:rPr lang="zh-TW" altLang="en-US" sz="2800" dirty="0">
+                <a:latin typeface="微軟正黑體" panose="020B0604030504040204" pitchFamily="34" charset="-120"/>
+                <a:ea typeface="微軟正黑體" panose="020B0604030504040204" pitchFamily="34" charset="-120"/>
+              </a:rPr>
+              <a:t>資安人員放大假</a:t>
+            </a:r>
+            <a:endParaRPr lang="en-US" altLang="zh-TW" sz="2800" dirty="0">
               <a:latin typeface="微軟正黑體" panose="020B0604030504040204" pitchFamily="34" charset="-120"/>
               <a:ea typeface="微軟正黑體" panose="020B0604030504040204" pitchFamily="34" charset="-120"/>
             </a:endParaRPr>
           </a:p>
           <a:p>
-            <a:pPr marL="342900" indent="-342900">
+            <a:pPr marL="457200" indent="-457200">
               <a:lnSpc>
                 <a:spcPct val="150000"/>
               </a:lnSpc>
@@ -6466,19 +7310,54 @@
               <a:buChar char="•"/>
             </a:pPr>
             <a:r>
-              <a:rPr lang="zh-TW" altLang="en-US" sz="3400" dirty="0">
-                <a:latin typeface="微軟正黑體" panose="020B0604030504040204" pitchFamily="34" charset="-120"/>
-                <a:ea typeface="微軟正黑體" panose="020B0604030504040204" pitchFamily="34" charset="-120"/>
-              </a:rPr>
-              <a:t>需要敏感資料的程式與伺服器請求資訊</a:t>
-            </a:r>
-            <a:endParaRPr lang="en-US" altLang="zh-TW" sz="3400" dirty="0">
+              <a:rPr lang="zh-TW" altLang="en-US" sz="4400" dirty="0">
+                <a:latin typeface="微軟正黑體" panose="020B0604030504040204" pitchFamily="34" charset="-120"/>
+                <a:ea typeface="微軟正黑體" panose="020B0604030504040204" pitchFamily="34" charset="-120"/>
+              </a:rPr>
+              <a:t>可視化</a:t>
+            </a:r>
+            <a:r>
+              <a:rPr lang="en-US" altLang="zh-TW" sz="4400" dirty="0">
+                <a:latin typeface="微軟正黑體" panose="020B0604030504040204" pitchFamily="34" charset="-120"/>
+                <a:ea typeface="微軟正黑體" panose="020B0604030504040204" pitchFamily="34" charset="-120"/>
+              </a:rPr>
+              <a:t>!</a:t>
+            </a:r>
+            <a:r>
+              <a:rPr lang="zh-TW" altLang="en-US" sz="4400" dirty="0">
+                <a:latin typeface="微軟正黑體" panose="020B0604030504040204" pitchFamily="34" charset="-120"/>
+                <a:ea typeface="微軟正黑體" panose="020B0604030504040204" pitchFamily="34" charset="-120"/>
+              </a:rPr>
+              <a:t> 讓開發人員一看就知道</a:t>
+            </a:r>
+            <a:r>
+              <a:rPr lang="en-US" altLang="zh-TW" sz="4400" dirty="0">
+                <a:latin typeface="微軟正黑體" panose="020B0604030504040204" pitchFamily="34" charset="-120"/>
+                <a:ea typeface="微軟正黑體" panose="020B0604030504040204" pitchFamily="34" charset="-120"/>
+              </a:rPr>
+              <a:t>!</a:t>
+            </a:r>
+            <a:r>
+              <a:rPr lang="zh-TW" altLang="en-US" sz="4400" dirty="0">
+                <a:latin typeface="微軟正黑體" panose="020B0604030504040204" pitchFamily="34" charset="-120"/>
+                <a:ea typeface="微軟正黑體" panose="020B0604030504040204" pitchFamily="34" charset="-120"/>
+              </a:rPr>
+              <a:t> </a:t>
+            </a:r>
+            <a:r>
+              <a:rPr lang="zh-TW" altLang="en-US" sz="2800" dirty="0">
+                <a:latin typeface="微軟正黑體" panose="020B0604030504040204" pitchFamily="34" charset="-120"/>
+                <a:ea typeface="微軟正黑體" panose="020B0604030504040204" pitchFamily="34" charset="-120"/>
+              </a:rPr>
+              <a:t>有圖有真相</a:t>
+            </a:r>
+            <a:endParaRPr lang="zh-TW" altLang="en-US" sz="4400" dirty="0">
               <a:latin typeface="微軟正黑體" panose="020B0604030504040204" pitchFamily="34" charset="-120"/>
               <a:ea typeface="微軟正黑體" panose="020B0604030504040204" pitchFamily="34" charset="-120"/>
             </a:endParaRPr>
           </a:p>
           <a:p>
-            <a:pPr marL="800100" lvl="1" indent="-342900">
+            <a:pPr marL="457200" indent="-457200">
               <a:lnSpc>
                 <a:spcPct val="150000"/>
               </a:lnSpc>
@@ -6486,63 +7365,51 @@
               <a:buChar char="•"/>
             </a:pPr>
             <a:r>
-              <a:rPr lang="zh-TW" altLang="en-US" sz="3400" dirty="0">
-                <a:latin typeface="微軟正黑體" panose="020B0604030504040204" pitchFamily="34" charset="-120"/>
-                <a:ea typeface="微軟正黑體" panose="020B0604030504040204" pitchFamily="34" charset="-120"/>
-              </a:rPr>
-              <a:t>藉此避免程式與環境內儲存機密資訊</a:t>
-            </a:r>
-            <a:endParaRPr lang="en-US" altLang="zh-TW" sz="3400" dirty="0">
+              <a:rPr lang="zh-TW" altLang="en-US" sz="4400" dirty="0">
+                <a:latin typeface="微軟正黑體" panose="020B0604030504040204" pitchFamily="34" charset="-120"/>
+                <a:ea typeface="微軟正黑體" panose="020B0604030504040204" pitchFamily="34" charset="-120"/>
+              </a:rPr>
+              <a:t>生報告</a:t>
+            </a:r>
+            <a:r>
+              <a:rPr lang="en-US" altLang="zh-TW" sz="4400" dirty="0">
+                <a:latin typeface="微軟正黑體" panose="020B0604030504040204" pitchFamily="34" charset="-120"/>
+                <a:ea typeface="微軟正黑體" panose="020B0604030504040204" pitchFamily="34" charset="-120"/>
+              </a:rPr>
+              <a:t>!</a:t>
+            </a:r>
+            <a:r>
+              <a:rPr lang="zh-TW" altLang="en-US" sz="4400" dirty="0">
+                <a:latin typeface="微軟正黑體" panose="020B0604030504040204" pitchFamily="34" charset="-120"/>
+                <a:ea typeface="微軟正黑體" panose="020B0604030504040204" pitchFamily="34" charset="-120"/>
+              </a:rPr>
+              <a:t> 讓主管也知道</a:t>
+            </a:r>
+            <a:r>
+              <a:rPr lang="en-US" altLang="zh-TW" sz="4400" dirty="0">
+                <a:latin typeface="微軟正黑體" panose="020B0604030504040204" pitchFamily="34" charset="-120"/>
+                <a:ea typeface="微軟正黑體" panose="020B0604030504040204" pitchFamily="34" charset="-120"/>
+              </a:rPr>
+              <a:t>!</a:t>
+            </a:r>
+            <a:r>
+              <a:rPr lang="zh-TW" altLang="en-US" sz="4400" dirty="0">
+                <a:latin typeface="微軟正黑體" panose="020B0604030504040204" pitchFamily="34" charset="-120"/>
+                <a:ea typeface="微軟正黑體" panose="020B0604030504040204" pitchFamily="34" charset="-120"/>
+              </a:rPr>
+              <a:t> </a:t>
+            </a:r>
+            <a:r>
+              <a:rPr lang="zh-TW" altLang="en-US" sz="2800" dirty="0">
+                <a:latin typeface="微軟正黑體" panose="020B0604030504040204" pitchFamily="34" charset="-120"/>
+                <a:ea typeface="微軟正黑體" panose="020B0604030504040204" pitchFamily="34" charset="-120"/>
+              </a:rPr>
+              <a:t>有字有做事</a:t>
+            </a:r>
+            <a:endParaRPr lang="zh-TW" altLang="en-US" sz="4400" dirty="0">
               <a:latin typeface="微軟正黑體" panose="020B0604030504040204" pitchFamily="34" charset="-120"/>
               <a:ea typeface="微軟正黑體" panose="020B0604030504040204" pitchFamily="34" charset="-120"/>
             </a:endParaRPr>
-          </a:p>
-          <a:p>
-            <a:pPr marL="342900" indent="-342900">
-              <a:lnSpc>
-                <a:spcPct val="150000"/>
-              </a:lnSpc>
-              <a:buFont typeface="Arial" panose="020B0604020202020204" pitchFamily="34" charset="0"/>
-              <a:buChar char="•"/>
-            </a:pPr>
-            <a:r>
-              <a:rPr lang="zh-TW" altLang="en-US" sz="3400" dirty="0">
-                <a:latin typeface="微軟正黑體" panose="020B0604030504040204" pitchFamily="34" charset="-120"/>
-                <a:ea typeface="微軟正黑體" panose="020B0604030504040204" pitchFamily="34" charset="-120"/>
-              </a:rPr>
-              <a:t>搭配</a:t>
-            </a:r>
-            <a:r>
-              <a:rPr lang="en-US" altLang="zh-TW" sz="3400" dirty="0">
-                <a:latin typeface="微軟正黑體" panose="020B0604030504040204" pitchFamily="34" charset="-120"/>
-                <a:ea typeface="微軟正黑體" panose="020B0604030504040204" pitchFamily="34" charset="-120"/>
-              </a:rPr>
-              <a:t>Secret Scanning</a:t>
-            </a:r>
-            <a:r>
-              <a:rPr lang="zh-TW" altLang="en-US" sz="3400" dirty="0">
-                <a:latin typeface="微軟正黑體" panose="020B0604030504040204" pitchFamily="34" charset="-120"/>
-                <a:ea typeface="微軟正黑體" panose="020B0604030504040204" pitchFamily="34" charset="-120"/>
-              </a:rPr>
-              <a:t>，</a:t>
-            </a:r>
-            <a:r>
-              <a:rPr lang="zh-TW" altLang="en-US" sz="3400" dirty="0">
-                <a:solidFill>
-                  <a:srgbClr val="FF0000"/>
-                </a:solidFill>
-                <a:latin typeface="微軟正黑體" panose="020B0604030504040204" pitchFamily="34" charset="-120"/>
-                <a:ea typeface="微軟正黑體" panose="020B0604030504040204" pitchFamily="34" charset="-120"/>
-              </a:rPr>
-              <a:t>主動掃描程式碼</a:t>
-            </a:r>
-            <a:r>
-              <a:rPr lang="zh-TW" altLang="en-US" sz="3400" dirty="0">
-                <a:latin typeface="微軟正黑體" panose="020B0604030504040204" pitchFamily="34" charset="-120"/>
-                <a:ea typeface="微軟正黑體" panose="020B0604030504040204" pitchFamily="34" charset="-120"/>
-              </a:rPr>
-              <a:t>並避免機密外洩</a:t>
-            </a:r>
           </a:p>
         </p:txBody>
       </p:sp>
@@ -6578,10 +7445,10 @@
       </p:grpSpPr>
       <p:sp>
         <p:nvSpPr>
-          <p:cNvPr id="2" name="文字方塊 1">
-            <a:extLst>
-              <a:ext uri="{FF2B5EF4-FFF2-40B4-BE49-F238E27FC236}">
-                <a16:creationId xmlns:a16="http://schemas.microsoft.com/office/drawing/2014/main" id="{B4AB42E0-7A8E-4DA9-B525-041E31E1F55D}"/>
+          <p:cNvPr id="3" name="文字方塊 2">
+            <a:extLst>
+              <a:ext uri="{FF2B5EF4-FFF2-40B4-BE49-F238E27FC236}">
+                <a16:creationId xmlns:a16="http://schemas.microsoft.com/office/drawing/2014/main" id="{49D88A0D-6BE9-4738-BE5B-007A4F0F26F5}"/>
               </a:ext>
             </a:extLst>
           </p:cNvPr>
@@ -6590,8 +7457,8 @@
         </p:nvSpPr>
         <p:spPr>
           <a:xfrm>
-            <a:off x="774557" y="866446"/>
-            <a:ext cx="8885258" cy="1015663"/>
+            <a:off x="3301023" y="2921168"/>
+            <a:ext cx="5589954" cy="1015663"/>
           </a:xfrm>
           <a:prstGeom prst="rect">
             <a:avLst/>
@@ -6609,124 +7476,15 @@
                 <a:latin typeface="微軟正黑體" panose="020B0604030504040204" pitchFamily="34" charset="-120"/>
                 <a:ea typeface="微軟正黑體" panose="020B0604030504040204" pitchFamily="34" charset="-120"/>
               </a:rPr>
-              <a:t>第三方套件安全</a:t>
-            </a:r>
-          </a:p>
-        </p:txBody>
-      </p:sp>
-      <p:sp>
-        <p:nvSpPr>
-          <p:cNvPr id="3" name="文字方塊 2">
-            <a:extLst>
-              <a:ext uri="{FF2B5EF4-FFF2-40B4-BE49-F238E27FC236}">
-                <a16:creationId xmlns:a16="http://schemas.microsoft.com/office/drawing/2014/main" id="{D4AA29EA-679E-4682-8A6F-EA6E93A4F17E}"/>
-              </a:ext>
-            </a:extLst>
-          </p:cNvPr>
-          <p:cNvSpPr txBox="1"/>
-          <p:nvPr/>
-        </p:nvSpPr>
-        <p:spPr>
-          <a:xfrm>
-            <a:off x="958788" y="2407138"/>
-            <a:ext cx="10428227" cy="2763129"/>
-          </a:xfrm>
-          <a:prstGeom prst="rect">
-            <a:avLst/>
-          </a:prstGeom>
-          <a:noFill/>
-        </p:spPr>
-        <p:txBody>
-          <a:bodyPr wrap="square" rtlCol="0">
-            <a:spAutoFit/>
-          </a:bodyPr>
-          <a:lstStyle/>
-          <a:p>
-            <a:pPr marL="342900" indent="-342900">
-              <a:lnSpc>
-                <a:spcPct val="150000"/>
-              </a:lnSpc>
-              <a:buFont typeface="Arial" panose="020B0604020202020204" pitchFamily="34" charset="0"/>
-              <a:buChar char="•"/>
-            </a:pPr>
-            <a:r>
-              <a:rPr kumimoji="1" lang="zh-TW" altLang="en-US" sz="4000" dirty="0">
-                <a:latin typeface="微軟正黑體" panose="020B0604030504040204" pitchFamily="34" charset="-120"/>
-                <a:ea typeface="微軟正黑體" panose="020B0604030504040204" pitchFamily="34" charset="-120"/>
-              </a:rPr>
-              <a:t>建立</a:t>
-            </a:r>
-            <a:r>
-              <a:rPr kumimoji="1" lang="zh-TW" altLang="en-US" sz="4000" dirty="0">
-                <a:solidFill>
-                  <a:srgbClr val="FF0000"/>
-                </a:solidFill>
-                <a:latin typeface="微軟正黑體" panose="020B0604030504040204" pitchFamily="34" charset="-120"/>
-                <a:ea typeface="微軟正黑體" panose="020B0604030504040204" pitchFamily="34" charset="-120"/>
-              </a:rPr>
-              <a:t>套件安全資料庫</a:t>
-            </a:r>
-            <a:endParaRPr kumimoji="1" lang="en-US" altLang="zh-TW" sz="4000" dirty="0">
-              <a:solidFill>
-                <a:srgbClr val="FF0000"/>
-              </a:solidFill>
-              <a:latin typeface="微軟正黑體" panose="020B0604030504040204" pitchFamily="34" charset="-120"/>
-              <a:ea typeface="微軟正黑體" panose="020B0604030504040204" pitchFamily="34" charset="-120"/>
-            </a:endParaRPr>
-          </a:p>
-          <a:p>
-            <a:pPr marL="342900" indent="-342900">
-              <a:lnSpc>
-                <a:spcPct val="150000"/>
-              </a:lnSpc>
-              <a:buFont typeface="Arial" panose="020B0604020202020204" pitchFamily="34" charset="0"/>
-              <a:buChar char="•"/>
-            </a:pPr>
-            <a:r>
-              <a:rPr kumimoji="1" lang="zh-TW" altLang="en-US" sz="4000" dirty="0">
-                <a:solidFill>
-                  <a:srgbClr val="FF0000"/>
-                </a:solidFill>
-                <a:latin typeface="微軟正黑體" panose="020B0604030504040204" pitchFamily="34" charset="-120"/>
-                <a:ea typeface="微軟正黑體" panose="020B0604030504040204" pitchFamily="34" charset="-120"/>
-              </a:rPr>
-              <a:t>主動追蹤</a:t>
-            </a:r>
-            <a:r>
-              <a:rPr kumimoji="1" lang="zh-TW" altLang="en-US" sz="4000" dirty="0">
-                <a:latin typeface="微軟正黑體" panose="020B0604030504040204" pitchFamily="34" charset="-120"/>
-                <a:ea typeface="微軟正黑體" panose="020B0604030504040204" pitchFamily="34" charset="-120"/>
-              </a:rPr>
-              <a:t>不同第三方套件的程式碼覆蓋率</a:t>
-            </a:r>
-            <a:endParaRPr kumimoji="1" lang="en-US" altLang="zh-TW" sz="4000" dirty="0">
-              <a:latin typeface="微軟正黑體" panose="020B0604030504040204" pitchFamily="34" charset="-120"/>
-              <a:ea typeface="微軟正黑體" panose="020B0604030504040204" pitchFamily="34" charset="-120"/>
-            </a:endParaRPr>
-          </a:p>
-          <a:p>
-            <a:pPr marL="342900" indent="-342900">
-              <a:lnSpc>
-                <a:spcPct val="150000"/>
-              </a:lnSpc>
-              <a:buFont typeface="Arial" panose="020B0604020202020204" pitchFamily="34" charset="0"/>
-              <a:buChar char="•"/>
-            </a:pPr>
-            <a:r>
-              <a:rPr kumimoji="1" lang="zh-TW" altLang="en-US" sz="4000" dirty="0">
-                <a:latin typeface="微軟正黑體" panose="020B0604030504040204" pitchFamily="34" charset="-120"/>
-                <a:ea typeface="微軟正黑體" panose="020B0604030504040204" pitchFamily="34" charset="-120"/>
-              </a:rPr>
-              <a:t>結合上述後提供修正建議給開發人員</a:t>
-            </a:r>
-            <a:endParaRPr lang="zh-TW" altLang="en-US" sz="4000" dirty="0"/>
+              <a:t>這系統在做啥咪</a:t>
+            </a:r>
           </a:p>
         </p:txBody>
       </p:sp>
     </p:spTree>
     <p:extLst>
       <p:ext uri="{BB962C8B-B14F-4D97-AF65-F5344CB8AC3E}">
-        <p14:creationId xmlns:p14="http://schemas.microsoft.com/office/powerpoint/2010/main" val="2548025310"/>
+        <p14:creationId xmlns:p14="http://schemas.microsoft.com/office/powerpoint/2010/main" val="2971650734"/>
       </p:ext>
     </p:extLst>
   </p:cSld>

--- a/Slide/AIS3 dragon security .pptx
+++ b/Slide/AIS3 dragon security .pptx
@@ -5877,8 +5877,8 @@
         </p:nvSpPr>
         <p:spPr>
           <a:xfrm>
-            <a:off x="594803" y="2467992"/>
-            <a:ext cx="8034292" cy="1565878"/>
+            <a:off x="705055" y="1702084"/>
+            <a:ext cx="8034292" cy="4595874"/>
           </a:xfrm>
           <a:prstGeom prst="rect">
             <a:avLst/>
@@ -5891,6 +5891,52 @@
           </a:bodyPr>
           <a:lstStyle/>
           <a:p>
+            <a:pPr>
+              <a:lnSpc>
+                <a:spcPct val="150000"/>
+              </a:lnSpc>
+            </a:pPr>
+            <a:r>
+              <a:rPr lang="zh-TW" altLang="en-US" sz="4000" strike="sngStrike" dirty="0">
+                <a:latin typeface="微軟正黑體" panose="020B0604030504040204" pitchFamily="34" charset="-120"/>
+                <a:ea typeface="微軟正黑體" panose="020B0604030504040204" pitchFamily="34" charset="-120"/>
+              </a:rPr>
+              <a:t>做產品</a:t>
+            </a:r>
+            <a:r>
+              <a:rPr lang="en-US" altLang="zh-TW" sz="4000" strike="sngStrike" dirty="0">
+                <a:latin typeface="微軟正黑體" panose="020B0604030504040204" pitchFamily="34" charset="-120"/>
+                <a:ea typeface="微軟正黑體" panose="020B0604030504040204" pitchFamily="34" charset="-120"/>
+              </a:rPr>
+              <a:t>(</a:t>
+            </a:r>
+            <a:r>
+              <a:rPr lang="zh-TW" altLang="en-US" sz="4000" strike="sngStrike" dirty="0">
+                <a:latin typeface="微軟正黑體" panose="020B0604030504040204" pitchFamily="34" charset="-120"/>
+                <a:ea typeface="微軟正黑體" panose="020B0604030504040204" pitchFamily="34" charset="-120"/>
+              </a:rPr>
+              <a:t>っ </a:t>
+            </a:r>
+            <a:r>
+              <a:rPr lang="en-US" altLang="zh-TW" sz="4000" strike="sngStrike" dirty="0">
+                <a:latin typeface="微軟正黑體" panose="020B0604030504040204" pitchFamily="34" charset="-120"/>
+                <a:ea typeface="微軟正黑體" panose="020B0604030504040204" pitchFamily="34" charset="-120"/>
+              </a:rPr>
+              <a:t>°Д °;)</a:t>
+            </a:r>
+            <a:r>
+              <a:rPr lang="zh-TW" altLang="en-US" sz="4000" strike="sngStrike" dirty="0">
+                <a:latin typeface="微軟正黑體" panose="020B0604030504040204" pitchFamily="34" charset="-120"/>
+                <a:ea typeface="微軟正黑體" panose="020B0604030504040204" pitchFamily="34" charset="-120"/>
+              </a:rPr>
+              <a:t>っ 發大財</a:t>
+            </a:r>
+            <a:endParaRPr lang="en-US" altLang="zh-TW" sz="4000" strike="sngStrike" dirty="0">
+              <a:latin typeface="微軟正黑體" panose="020B0604030504040204" pitchFamily="34" charset="-120"/>
+              <a:ea typeface="微軟正黑體" panose="020B0604030504040204" pitchFamily="34" charset="-120"/>
+            </a:endParaRPr>
+          </a:p>
+          <a:p>
             <a:pPr marL="457200" indent="-457200">
               <a:lnSpc>
                 <a:spcPct val="150000"/>
@@ -5899,11 +5945,18 @@
               <a:buChar char="•"/>
             </a:pPr>
             <a:r>
-              <a:rPr lang="zh-TW" altLang="en-US" sz="3400" dirty="0">
-                <a:latin typeface="微軟正黑體" panose="020B0604030504040204" pitchFamily="34" charset="-120"/>
-                <a:ea typeface="微軟正黑體" panose="020B0604030504040204" pitchFamily="34" charset="-120"/>
-              </a:rPr>
-              <a:t>有可視化界面，讓開發人員一看就知道</a:t>
+              <a:rPr lang="en-US" altLang="zh-TW" sz="4000" dirty="0">
+                <a:latin typeface="微軟正黑體" panose="020B0604030504040204" pitchFamily="34" charset="-120"/>
+                <a:ea typeface="微軟正黑體" panose="020B0604030504040204" pitchFamily="34" charset="-120"/>
+              </a:rPr>
+              <a:t>Dashboard: </a:t>
+            </a:r>
+            <a:r>
+              <a:rPr lang="zh-TW" altLang="en-US" sz="4000" dirty="0">
+                <a:latin typeface="微軟正黑體" panose="020B0604030504040204" pitchFamily="34" charset="-120"/>
+                <a:ea typeface="微軟正黑體" panose="020B0604030504040204" pitchFamily="34" charset="-120"/>
+              </a:rPr>
+              <a:t>林桓加</a:t>
             </a:r>
           </a:p>
           <a:p>
@@ -5915,11 +5968,78 @@
               <a:buChar char="•"/>
             </a:pPr>
             <a:r>
-              <a:rPr lang="zh-TW" altLang="en-US" sz="3400" dirty="0">
-                <a:latin typeface="微軟正黑體" panose="020B0604030504040204" pitchFamily="34" charset="-120"/>
-                <a:ea typeface="微軟正黑體" panose="020B0604030504040204" pitchFamily="34" charset="-120"/>
-              </a:rPr>
-              <a:t>可生成報告讓上層查看當前系統弱點</a:t>
+              <a:rPr lang="en-US" altLang="zh-TW" sz="4000" dirty="0" err="1">
+                <a:latin typeface="微軟正黑體" panose="020B0604030504040204" pitchFamily="34" charset="-120"/>
+                <a:ea typeface="微軟正黑體" panose="020B0604030504040204" pitchFamily="34" charset="-120"/>
+              </a:rPr>
+              <a:t>SecretVault</a:t>
+            </a:r>
+            <a:r>
+              <a:rPr lang="en-US" altLang="zh-TW" sz="4000" dirty="0">
+                <a:latin typeface="微軟正黑體" panose="020B0604030504040204" pitchFamily="34" charset="-120"/>
+                <a:ea typeface="微軟正黑體" panose="020B0604030504040204" pitchFamily="34" charset="-120"/>
+              </a:rPr>
+              <a:t>/API: </a:t>
+            </a:r>
+            <a:r>
+              <a:rPr lang="zh-TW" altLang="en-US" sz="4000" dirty="0">
+                <a:latin typeface="微軟正黑體" panose="020B0604030504040204" pitchFamily="34" charset="-120"/>
+                <a:ea typeface="微軟正黑體" panose="020B0604030504040204" pitchFamily="34" charset="-120"/>
+              </a:rPr>
+              <a:t>林祐聖</a:t>
+            </a:r>
+          </a:p>
+          <a:p>
+            <a:pPr marL="457200" indent="-457200">
+              <a:lnSpc>
+                <a:spcPct val="150000"/>
+              </a:lnSpc>
+              <a:buFont typeface="Arial" panose="020B0604020202020204" pitchFamily="34" charset="0"/>
+              <a:buChar char="•"/>
+            </a:pPr>
+            <a:r>
+              <a:rPr lang="en-US" altLang="zh-TW" sz="4000" dirty="0" err="1">
+                <a:latin typeface="微軟正黑體" panose="020B0604030504040204" pitchFamily="34" charset="-120"/>
+                <a:ea typeface="微軟正黑體" panose="020B0604030504040204" pitchFamily="34" charset="-120"/>
+              </a:rPr>
+              <a:t>PackageGuardian</a:t>
+            </a:r>
+            <a:r>
+              <a:rPr lang="en-US" altLang="zh-TW" sz="4000" dirty="0">
+                <a:latin typeface="微軟正黑體" panose="020B0604030504040204" pitchFamily="34" charset="-120"/>
+                <a:ea typeface="微軟正黑體" panose="020B0604030504040204" pitchFamily="34" charset="-120"/>
+              </a:rPr>
+              <a:t>: </a:t>
+            </a:r>
+            <a:r>
+              <a:rPr lang="zh-TW" altLang="en-US" sz="4000" dirty="0">
+                <a:latin typeface="微軟正黑體" panose="020B0604030504040204" pitchFamily="34" charset="-120"/>
+                <a:ea typeface="微軟正黑體" panose="020B0604030504040204" pitchFamily="34" charset="-120"/>
+              </a:rPr>
+              <a:t>張郢展</a:t>
+            </a:r>
+          </a:p>
+          <a:p>
+            <a:pPr marL="457200" indent="-457200">
+              <a:lnSpc>
+                <a:spcPct val="150000"/>
+              </a:lnSpc>
+              <a:buFont typeface="Arial" panose="020B0604020202020204" pitchFamily="34" charset="0"/>
+              <a:buChar char="•"/>
+            </a:pPr>
+            <a:r>
+              <a:rPr lang="en-US" altLang="zh-TW" sz="4000" dirty="0">
+                <a:latin typeface="微軟正黑體" panose="020B0604030504040204" pitchFamily="34" charset="-120"/>
+                <a:ea typeface="微軟正黑體" panose="020B0604030504040204" pitchFamily="34" charset="-120"/>
+              </a:rPr>
+              <a:t>Slide: </a:t>
+            </a:r>
+            <a:r>
+              <a:rPr lang="zh-TW" altLang="en-US" sz="4000" dirty="0">
+                <a:latin typeface="微軟正黑體" panose="020B0604030504040204" pitchFamily="34" charset="-120"/>
+                <a:ea typeface="微軟正黑體" panose="020B0604030504040204" pitchFamily="34" charset="-120"/>
+              </a:rPr>
+              <a:t>何宣毅</a:t>
             </a:r>
           </a:p>
         </p:txBody>

--- a/Slide/AIS3 dragon security .pptx
+++ b/Slide/AIS3 dragon security .pptx
@@ -5929,7 +5929,21 @@
                 <a:latin typeface="微軟正黑體" panose="020B0604030504040204" pitchFamily="34" charset="-120"/>
                 <a:ea typeface="微軟正黑體" panose="020B0604030504040204" pitchFamily="34" charset="-120"/>
               </a:rPr>
-              <a:t>っ 發大財</a:t>
+              <a:t>っ </a:t>
+            </a:r>
+            <a:r>
+              <a:rPr lang="en-US" altLang="zh-TW" sz="4000" strike="sngStrike" dirty="0">
+                <a:latin typeface="微軟正黑體" panose="020B0604030504040204" pitchFamily="34" charset="-120"/>
+                <a:ea typeface="微軟正黑體" panose="020B0604030504040204" pitchFamily="34" charset="-120"/>
+              </a:rPr>
+              <a:t>[$] </a:t>
+            </a:r>
+            <a:r>
+              <a:rPr lang="zh-TW" altLang="en-US" sz="4000" strike="sngStrike" dirty="0">
+                <a:latin typeface="微軟正黑體" panose="020B0604030504040204" pitchFamily="34" charset="-120"/>
+                <a:ea typeface="微軟正黑體" panose="020B0604030504040204" pitchFamily="34" charset="-120"/>
+              </a:rPr>
+              <a:t>發大財</a:t>
             </a:r>
             <a:endParaRPr lang="en-US" altLang="zh-TW" sz="4000" strike="sngStrike" dirty="0">
               <a:latin typeface="微軟正黑體" panose="020B0604030504040204" pitchFamily="34" charset="-120"/>

--- a/Slide/AIS3 dragon security .pptx
+++ b/Slide/AIS3 dragon security .pptx
@@ -7407,7 +7407,7 @@
                 <a:latin typeface="微軟正黑體" panose="020B0604030504040204" pitchFamily="34" charset="-120"/>
                 <a:ea typeface="微軟正黑體" panose="020B0604030504040204" pitchFamily="34" charset="-120"/>
               </a:rPr>
-              <a:t> 結合資安</a:t>
+              <a:t> 結合資安只要</a:t>
             </a:r>
             <a:r>
               <a:rPr lang="en-US" altLang="zh-TW" sz="4400" dirty="0">

--- a/Slide/AIS3 dragon security .pptx
+++ b/Slide/AIS3 dragon security .pptx
@@ -6,7 +6,7 @@
   </p:sldMasterIdLst>
   <p:sldIdLst>
     <p:sldId id="263" r:id="rId2"/>
-    <p:sldId id="257" r:id="rId3"/>
+    <p:sldId id="284" r:id="rId3"/>
     <p:sldId id="260" r:id="rId4"/>
     <p:sldId id="277" r:id="rId5"/>
     <p:sldId id="262" r:id="rId6"/>
@@ -23,6 +23,7 @@
     <p:sldId id="276" r:id="rId17"/>
     <p:sldId id="275" r:id="rId18"/>
     <p:sldId id="272" r:id="rId19"/>
+    <p:sldId id="285" r:id="rId20"/>
   </p:sldIdLst>
   <p:sldSz cx="12192000" cy="6858000"/>
   <p:notesSz cx="6858000" cy="9144000"/>
@@ -3967,6 +3968,57 @@
           </a:p>
         </p:txBody>
       </p:sp>
+      <p:sp>
+        <p:nvSpPr>
+          <p:cNvPr id="4" name="文字方塊 3">
+            <a:extLst>
+              <a:ext uri="{FF2B5EF4-FFF2-40B4-BE49-F238E27FC236}">
+                <a16:creationId xmlns:a16="http://schemas.microsoft.com/office/drawing/2014/main" id="{0AA7C312-204F-4A33-8414-1326B316B6FF}"/>
+              </a:ext>
+            </a:extLst>
+          </p:cNvPr>
+          <p:cNvSpPr txBox="1"/>
+          <p:nvPr/>
+        </p:nvSpPr>
+        <p:spPr>
+          <a:xfrm>
+            <a:off x="584956" y="5651992"/>
+            <a:ext cx="4208016" cy="369332"/>
+          </a:xfrm>
+          <a:prstGeom prst="rect">
+            <a:avLst/>
+          </a:prstGeom>
+          <a:noFill/>
+        </p:spPr>
+        <p:txBody>
+          <a:bodyPr wrap="square" rtlCol="0">
+            <a:spAutoFit/>
+          </a:bodyPr>
+          <a:lstStyle/>
+          <a:p>
+            <a:r>
+              <a:rPr lang="en-US" altLang="zh-TW" dirty="0">
+                <a:solidFill>
+                  <a:schemeClr val="bg1"/>
+                </a:solidFill>
+                <a:latin typeface="微軟正黑體" panose="020B0604030504040204" pitchFamily="34" charset="-120"/>
+                <a:ea typeface="微軟正黑體" panose="020B0604030504040204" pitchFamily="34" charset="-120"/>
+              </a:rPr>
+              <a:t>Member:</a:t>
+            </a:r>
+            <a:r>
+              <a:rPr lang="zh-TW" altLang="en-US" dirty="0">
+                <a:solidFill>
+                  <a:schemeClr val="bg1"/>
+                </a:solidFill>
+                <a:latin typeface="微軟正黑體" panose="020B0604030504040204" pitchFamily="34" charset="-120"/>
+                <a:ea typeface="微軟正黑體" panose="020B0604030504040204" pitchFamily="34" charset="-120"/>
+              </a:rPr>
+              <a:t>何宣毅 林桓加 林祐聖 張郢展</a:t>
+            </a:r>
+          </a:p>
+        </p:txBody>
+      </p:sp>
     </p:spTree>
     <p:extLst>
       <p:ext uri="{BB962C8B-B14F-4D97-AF65-F5344CB8AC3E}">
@@ -5804,6 +5856,85 @@
 </p:sld>
 </file>
 
+<file path=ppt/slides/slide19.xml><?xml version="1.0" encoding="utf-8"?>
+<p:sld xmlns:a="http://schemas.openxmlformats.org/drawingml/2006/main" xmlns:r="http://schemas.openxmlformats.org/officeDocument/2006/relationships" xmlns:p="http://schemas.openxmlformats.org/presentationml/2006/main">
+  <p:cSld>
+    <p:spTree>
+      <p:nvGrpSpPr>
+        <p:cNvPr id="1" name=""/>
+        <p:cNvGrpSpPr/>
+        <p:nvPr/>
+      </p:nvGrpSpPr>
+      <p:grpSpPr>
+        <a:xfrm>
+          <a:off x="0" y="0"/>
+          <a:ext cx="0" cy="0"/>
+          <a:chOff x="0" y="0"/>
+          <a:chExt cx="0" cy="0"/>
+        </a:xfrm>
+      </p:grpSpPr>
+      <p:sp>
+        <p:nvSpPr>
+          <p:cNvPr id="2" name="文字方塊 1">
+            <a:extLst>
+              <a:ext uri="{FF2B5EF4-FFF2-40B4-BE49-F238E27FC236}">
+                <a16:creationId xmlns:a16="http://schemas.microsoft.com/office/drawing/2014/main" id="{B4AB42E0-7A8E-4DA9-B525-041E31E1F55D}"/>
+              </a:ext>
+            </a:extLst>
+          </p:cNvPr>
+          <p:cNvSpPr txBox="1"/>
+          <p:nvPr/>
+        </p:nvSpPr>
+        <p:spPr>
+          <a:xfrm>
+            <a:off x="422940" y="2767280"/>
+            <a:ext cx="11346119" cy="1323439"/>
+          </a:xfrm>
+          <a:prstGeom prst="rect">
+            <a:avLst/>
+          </a:prstGeom>
+          <a:noFill/>
+        </p:spPr>
+        <p:txBody>
+          <a:bodyPr wrap="square" rtlCol="0">
+            <a:spAutoFit/>
+          </a:bodyPr>
+          <a:lstStyle/>
+          <a:p>
+            <a:r>
+              <a:rPr lang="en-US" altLang="zh-TW" sz="8000" b="1" dirty="0">
+                <a:latin typeface="微軟正黑體" panose="020B0604030504040204" pitchFamily="34" charset="-120"/>
+                <a:ea typeface="微軟正黑體" panose="020B0604030504040204" pitchFamily="34" charset="-120"/>
+              </a:rPr>
+              <a:t>                  </a:t>
+            </a:r>
+            <a:r>
+              <a:rPr lang="en-US" altLang="zh-TW" sz="8000" b="1" dirty="0">
+                <a:latin typeface="Italianate" pitchFamily="2" charset="0"/>
+                <a:ea typeface="微軟正黑體" panose="020B0604030504040204" pitchFamily="34" charset="-120"/>
+              </a:rPr>
+              <a:t>QA</a:t>
+            </a:r>
+            <a:endParaRPr lang="zh-TW" altLang="en-US" sz="8000" dirty="0">
+              <a:latin typeface="Italianate" pitchFamily="2" charset="0"/>
+              <a:ea typeface="微軟正黑體" panose="020B0604030504040204" pitchFamily="34" charset="-120"/>
+            </a:endParaRPr>
+          </a:p>
+        </p:txBody>
+      </p:sp>
+    </p:spTree>
+    <p:extLst>
+      <p:ext uri="{BB962C8B-B14F-4D97-AF65-F5344CB8AC3E}">
+        <p14:creationId xmlns:p14="http://schemas.microsoft.com/office/powerpoint/2010/main" val="2156678412"/>
+      </p:ext>
+    </p:extLst>
+  </p:cSld>
+  <p:clrMapOvr>
+    <a:masterClrMapping/>
+  </p:clrMapOvr>
+</p:sld>
+</file>
+
 <file path=ppt/slides/slide2.xml><?xml version="1.0" encoding="utf-8"?>
 <p:sld xmlns:a="http://schemas.openxmlformats.org/drawingml/2006/main" xmlns:r="http://schemas.openxmlformats.org/officeDocument/2006/relationships" xmlns:p="http://schemas.openxmlformats.org/presentationml/2006/main">
   <p:cSld>
@@ -5854,7 +5985,7 @@
                 <a:latin typeface="微軟正黑體" panose="020B0604030504040204" pitchFamily="34" charset="-120"/>
                 <a:ea typeface="微軟正黑體" panose="020B0604030504040204" pitchFamily="34" charset="-120"/>
               </a:rPr>
-              <a:t>About us</a:t>
+              <a:t>Outline</a:t>
             </a:r>
             <a:endParaRPr lang="zh-TW" altLang="en-US" sz="5400" b="1" dirty="0">
               <a:latin typeface="微軟正黑體" panose="020B0604030504040204" pitchFamily="34" charset="-120"/>
@@ -5877,8 +6008,8 @@
         </p:nvSpPr>
         <p:spPr>
           <a:xfrm>
-            <a:off x="705055" y="1702084"/>
-            <a:ext cx="8034292" cy="4595874"/>
+            <a:off x="616279" y="1384361"/>
+            <a:ext cx="8034292" cy="6274859"/>
           </a:xfrm>
           <a:prstGeom prst="rect">
             <a:avLst/>
@@ -5891,61 +6022,115 @@
           </a:bodyPr>
           <a:lstStyle/>
           <a:p>
+            <a:endParaRPr lang="en-US" altLang="zh-TW" sz="3400" dirty="0">
+              <a:latin typeface="微軟正黑體" panose="020B0604030504040204" pitchFamily="34" charset="-120"/>
+              <a:ea typeface="微軟正黑體" panose="020B0604030504040204" pitchFamily="34" charset="-120"/>
+            </a:endParaRPr>
+          </a:p>
+          <a:p>
+            <a:pPr marL="457200" indent="-457200">
+              <a:buFont typeface="Arial" panose="020B0604020202020204" pitchFamily="34" charset="0"/>
+              <a:buChar char="•"/>
+            </a:pPr>
+            <a:r>
+              <a:rPr lang="en-US" altLang="zh-TW" sz="3400" dirty="0">
+                <a:latin typeface="微軟正黑體" panose="020B0604030504040204" pitchFamily="34" charset="-120"/>
+                <a:ea typeface="微軟正黑體" panose="020B0604030504040204" pitchFamily="34" charset="-120"/>
+              </a:rPr>
+              <a:t>Introduction</a:t>
+            </a:r>
+          </a:p>
+          <a:p>
+            <a:pPr marL="457200" indent="-457200">
+              <a:buFont typeface="Arial" panose="020B0604020202020204" pitchFamily="34" charset="0"/>
+              <a:buChar char="•"/>
+            </a:pPr>
+            <a:r>
+              <a:rPr lang="en-US" altLang="zh-TW" sz="3400" dirty="0">
+                <a:latin typeface="微軟正黑體" panose="020B0604030504040204" pitchFamily="34" charset="-120"/>
+                <a:ea typeface="微軟正黑體" panose="020B0604030504040204" pitchFamily="34" charset="-120"/>
+              </a:rPr>
+              <a:t>Problem</a:t>
+            </a:r>
+          </a:p>
+          <a:p>
+            <a:pPr marL="457200" indent="-457200">
+              <a:buFont typeface="Arial" panose="020B0604020202020204" pitchFamily="34" charset="0"/>
+              <a:buChar char="•"/>
+            </a:pPr>
+            <a:r>
+              <a:rPr lang="en-US" altLang="zh-TW" sz="3400" dirty="0">
+                <a:latin typeface="微軟正黑體" panose="020B0604030504040204" pitchFamily="34" charset="-120"/>
+                <a:ea typeface="微軟正黑體" panose="020B0604030504040204" pitchFamily="34" charset="-120"/>
+              </a:rPr>
+              <a:t>Solution</a:t>
+            </a:r>
+          </a:p>
+          <a:p>
+            <a:pPr marL="457200" indent="-457200">
+              <a:buFont typeface="Arial" panose="020B0604020202020204" pitchFamily="34" charset="0"/>
+              <a:buChar char="•"/>
+            </a:pPr>
+            <a:r>
+              <a:rPr lang="en-US" altLang="zh-TW" sz="3400" dirty="0">
+                <a:latin typeface="微軟正黑體" panose="020B0604030504040204" pitchFamily="34" charset="-120"/>
+                <a:ea typeface="微軟正黑體" panose="020B0604030504040204" pitchFamily="34" charset="-120"/>
+              </a:rPr>
+              <a:t>What to do</a:t>
+            </a:r>
+          </a:p>
+          <a:p>
+            <a:pPr marL="457200" indent="-457200">
+              <a:buFont typeface="Arial" panose="020B0604020202020204" pitchFamily="34" charset="0"/>
+              <a:buChar char="•"/>
+            </a:pPr>
+            <a:r>
+              <a:rPr lang="en-US" altLang="zh-TW" sz="3400" dirty="0">
+                <a:latin typeface="微軟正黑體" panose="020B0604030504040204" pitchFamily="34" charset="-120"/>
+                <a:ea typeface="微軟正黑體" panose="020B0604030504040204" pitchFamily="34" charset="-120"/>
+              </a:rPr>
+              <a:t>Demo </a:t>
+            </a:r>
+          </a:p>
+          <a:p>
+            <a:pPr marL="457200" indent="-457200">
+              <a:buFont typeface="Arial" panose="020B0604020202020204" pitchFamily="34" charset="0"/>
+              <a:buChar char="•"/>
+            </a:pPr>
+            <a:r>
+              <a:rPr lang="en-US" altLang="zh-TW" sz="3400" dirty="0">
+                <a:latin typeface="微軟正黑體" panose="020B0604030504040204" pitchFamily="34" charset="-120"/>
+                <a:ea typeface="微軟正黑體" panose="020B0604030504040204" pitchFamily="34" charset="-120"/>
+              </a:rPr>
+              <a:t>Future expectation</a:t>
+            </a:r>
+          </a:p>
+          <a:p>
+            <a:pPr marL="457200" indent="-457200">
+              <a:buFont typeface="Arial" panose="020B0604020202020204" pitchFamily="34" charset="0"/>
+              <a:buChar char="•"/>
+            </a:pPr>
+            <a:r>
+              <a:rPr lang="en-US" altLang="zh-TW" sz="3400" dirty="0">
+                <a:latin typeface="微軟正黑體" panose="020B0604030504040204" pitchFamily="34" charset="-120"/>
+                <a:ea typeface="微軟正黑體" panose="020B0604030504040204" pitchFamily="34" charset="-120"/>
+              </a:rPr>
+              <a:t>End</a:t>
+            </a:r>
+          </a:p>
+          <a:p>
+            <a:endParaRPr lang="en-US" altLang="zh-TW" sz="3400" dirty="0">
+              <a:latin typeface="微軟正黑體" panose="020B0604030504040204" pitchFamily="34" charset="-120"/>
+              <a:ea typeface="微軟正黑體" panose="020B0604030504040204" pitchFamily="34" charset="-120"/>
+            </a:endParaRPr>
+          </a:p>
+          <a:p>
             <a:pPr>
               <a:lnSpc>
                 <a:spcPct val="150000"/>
               </a:lnSpc>
             </a:pPr>
-            <a:r>
-              <a:rPr lang="zh-TW" altLang="en-US" sz="4000" strike="sngStrike" dirty="0">
-                <a:latin typeface="微軟正黑體" panose="020B0604030504040204" pitchFamily="34" charset="-120"/>
-                <a:ea typeface="微軟正黑體" panose="020B0604030504040204" pitchFamily="34" charset="-120"/>
-              </a:rPr>
-              <a:t>做產品</a:t>
-            </a:r>
-            <a:r>
-              <a:rPr lang="en-US" altLang="zh-TW" sz="4000" strike="sngStrike" dirty="0">
-                <a:latin typeface="微軟正黑體" panose="020B0604030504040204" pitchFamily="34" charset="-120"/>
-                <a:ea typeface="微軟正黑體" panose="020B0604030504040204" pitchFamily="34" charset="-120"/>
-              </a:rPr>
-              <a:t>(</a:t>
-            </a:r>
-            <a:r>
-              <a:rPr lang="zh-TW" altLang="en-US" sz="4000" strike="sngStrike" dirty="0">
-                <a:latin typeface="微軟正黑體" panose="020B0604030504040204" pitchFamily="34" charset="-120"/>
-                <a:ea typeface="微軟正黑體" panose="020B0604030504040204" pitchFamily="34" charset="-120"/>
-              </a:rPr>
-              <a:t>っ </a:t>
-            </a:r>
-            <a:r>
-              <a:rPr lang="en-US" altLang="zh-TW" sz="4000" strike="sngStrike" dirty="0">
-                <a:latin typeface="微軟正黑體" panose="020B0604030504040204" pitchFamily="34" charset="-120"/>
-                <a:ea typeface="微軟正黑體" panose="020B0604030504040204" pitchFamily="34" charset="-120"/>
-              </a:rPr>
-              <a:t>°Д °;)</a:t>
-            </a:r>
-            <a:r>
-              <a:rPr lang="zh-TW" altLang="en-US" sz="4000" strike="sngStrike" dirty="0">
-                <a:latin typeface="微軟正黑體" panose="020B0604030504040204" pitchFamily="34" charset="-120"/>
-                <a:ea typeface="微軟正黑體" panose="020B0604030504040204" pitchFamily="34" charset="-120"/>
-              </a:rPr>
-              <a:t>っ </a:t>
-            </a:r>
-            <a:r>
-              <a:rPr lang="en-US" altLang="zh-TW" sz="4000" strike="sngStrike" dirty="0">
-                <a:latin typeface="微軟正黑體" panose="020B0604030504040204" pitchFamily="34" charset="-120"/>
-                <a:ea typeface="微軟正黑體" panose="020B0604030504040204" pitchFamily="34" charset="-120"/>
-              </a:rPr>
-              <a:t>[$] </a:t>
-            </a:r>
-            <a:r>
-              <a:rPr lang="zh-TW" altLang="en-US" sz="4000" strike="sngStrike" dirty="0">
-                <a:latin typeface="微軟正黑體" panose="020B0604030504040204" pitchFamily="34" charset="-120"/>
-                <a:ea typeface="微軟正黑體" panose="020B0604030504040204" pitchFamily="34" charset="-120"/>
-              </a:rPr>
-              <a:t>發大財</a:t>
-            </a:r>
-            <a:endParaRPr lang="en-US" altLang="zh-TW" sz="4000" strike="sngStrike" dirty="0">
+            <a:endParaRPr lang="en-US" altLang="zh-TW" sz="3400" dirty="0">
               <a:latin typeface="微軟正黑體" panose="020B0604030504040204" pitchFamily="34" charset="-120"/>
               <a:ea typeface="微軟正黑體" panose="020B0604030504040204" pitchFamily="34" charset="-120"/>
             </a:endParaRPr>
@@ -5958,110 +6143,17 @@
               <a:buFont typeface="Arial" panose="020B0604020202020204" pitchFamily="34" charset="0"/>
               <a:buChar char="•"/>
             </a:pPr>
-            <a:r>
-              <a:rPr lang="en-US" altLang="zh-TW" sz="4000" dirty="0">
-                <a:latin typeface="微軟正黑體" panose="020B0604030504040204" pitchFamily="34" charset="-120"/>
-                <a:ea typeface="微軟正黑體" panose="020B0604030504040204" pitchFamily="34" charset="-120"/>
-              </a:rPr>
-              <a:t>Dashboard: </a:t>
-            </a:r>
-            <a:r>
-              <a:rPr lang="zh-TW" altLang="en-US" sz="4000" dirty="0">
-                <a:latin typeface="微軟正黑體" panose="020B0604030504040204" pitchFamily="34" charset="-120"/>
-                <a:ea typeface="微軟正黑體" panose="020B0604030504040204" pitchFamily="34" charset="-120"/>
-              </a:rPr>
-              <a:t>林桓加</a:t>
-            </a:r>
-          </a:p>
-          <a:p>
-            <a:pPr marL="457200" indent="-457200">
-              <a:lnSpc>
-                <a:spcPct val="150000"/>
-              </a:lnSpc>
-              <a:buFont typeface="Arial" panose="020B0604020202020204" pitchFamily="34" charset="0"/>
-              <a:buChar char="•"/>
-            </a:pPr>
-            <a:r>
-              <a:rPr lang="en-US" altLang="zh-TW" sz="4000" dirty="0" err="1">
-                <a:latin typeface="微軟正黑體" panose="020B0604030504040204" pitchFamily="34" charset="-120"/>
-                <a:ea typeface="微軟正黑體" panose="020B0604030504040204" pitchFamily="34" charset="-120"/>
-              </a:rPr>
-              <a:t>SecretVault</a:t>
-            </a:r>
-            <a:r>
-              <a:rPr lang="en-US" altLang="zh-TW" sz="4000" dirty="0">
-                <a:latin typeface="微軟正黑體" panose="020B0604030504040204" pitchFamily="34" charset="-120"/>
-                <a:ea typeface="微軟正黑體" panose="020B0604030504040204" pitchFamily="34" charset="-120"/>
-              </a:rPr>
-              <a:t>/API: </a:t>
-            </a:r>
-            <a:r>
-              <a:rPr lang="zh-TW" altLang="en-US" sz="4000" dirty="0">
-                <a:latin typeface="微軟正黑體" panose="020B0604030504040204" pitchFamily="34" charset="-120"/>
-                <a:ea typeface="微軟正黑體" panose="020B0604030504040204" pitchFamily="34" charset="-120"/>
-              </a:rPr>
-              <a:t>林祐聖</a:t>
-            </a:r>
-          </a:p>
-          <a:p>
-            <a:pPr marL="457200" indent="-457200">
-              <a:lnSpc>
-                <a:spcPct val="150000"/>
-              </a:lnSpc>
-              <a:buFont typeface="Arial" panose="020B0604020202020204" pitchFamily="34" charset="0"/>
-              <a:buChar char="•"/>
-            </a:pPr>
-            <a:r>
-              <a:rPr lang="en-US" altLang="zh-TW" sz="4000" dirty="0" err="1">
-                <a:latin typeface="微軟正黑體" panose="020B0604030504040204" pitchFamily="34" charset="-120"/>
-                <a:ea typeface="微軟正黑體" panose="020B0604030504040204" pitchFamily="34" charset="-120"/>
-              </a:rPr>
-              <a:t>PackageGuardian</a:t>
-            </a:r>
-            <a:r>
-              <a:rPr lang="en-US" altLang="zh-TW" sz="4000" dirty="0">
-                <a:latin typeface="微軟正黑體" panose="020B0604030504040204" pitchFamily="34" charset="-120"/>
-                <a:ea typeface="微軟正黑體" panose="020B0604030504040204" pitchFamily="34" charset="-120"/>
-              </a:rPr>
-              <a:t>: </a:t>
-            </a:r>
-            <a:r>
-              <a:rPr lang="zh-TW" altLang="en-US" sz="4000" dirty="0">
-                <a:latin typeface="微軟正黑體" panose="020B0604030504040204" pitchFamily="34" charset="-120"/>
-                <a:ea typeface="微軟正黑體" panose="020B0604030504040204" pitchFamily="34" charset="-120"/>
-              </a:rPr>
-              <a:t>張郢展</a:t>
-            </a:r>
-          </a:p>
-          <a:p>
-            <a:pPr marL="457200" indent="-457200">
-              <a:lnSpc>
-                <a:spcPct val="150000"/>
-              </a:lnSpc>
-              <a:buFont typeface="Arial" panose="020B0604020202020204" pitchFamily="34" charset="0"/>
-              <a:buChar char="•"/>
-            </a:pPr>
-            <a:r>
-              <a:rPr lang="en-US" altLang="zh-TW" sz="4000" dirty="0">
-                <a:latin typeface="微軟正黑體" panose="020B0604030504040204" pitchFamily="34" charset="-120"/>
-                <a:ea typeface="微軟正黑體" panose="020B0604030504040204" pitchFamily="34" charset="-120"/>
-              </a:rPr>
-              <a:t>Slide: </a:t>
-            </a:r>
-            <a:r>
-              <a:rPr lang="zh-TW" altLang="en-US" sz="4000" dirty="0">
-                <a:latin typeface="微軟正黑體" panose="020B0604030504040204" pitchFamily="34" charset="-120"/>
-                <a:ea typeface="微軟正黑體" panose="020B0604030504040204" pitchFamily="34" charset="-120"/>
-              </a:rPr>
-              <a:t>何宣毅</a:t>
-            </a:r>
+            <a:endParaRPr lang="zh-TW" altLang="en-US" sz="3400" dirty="0">
+              <a:latin typeface="微軟正黑體" panose="020B0604030504040204" pitchFamily="34" charset="-120"/>
+              <a:ea typeface="微軟正黑體" panose="020B0604030504040204" pitchFamily="34" charset="-120"/>
+            </a:endParaRPr>
           </a:p>
         </p:txBody>
       </p:sp>
     </p:spTree>
     <p:extLst>
       <p:ext uri="{BB962C8B-B14F-4D97-AF65-F5344CB8AC3E}">
-        <p14:creationId xmlns:p14="http://schemas.microsoft.com/office/powerpoint/2010/main" val="1663953330"/>
+        <p14:creationId xmlns:p14="http://schemas.microsoft.com/office/powerpoint/2010/main" val="981653350"/>
       </p:ext>
     </p:extLst>
   </p:cSld>

--- a/Slide/AIS3 dragon security .pptx
+++ b/Slide/AIS3 dragon security .pptx
@@ -5,8 +5,8 @@
     <p:sldMasterId id="2147483648" r:id="rId1"/>
   </p:sldMasterIdLst>
   <p:sldIdLst>
-    <p:sldId id="263" r:id="rId2"/>
-    <p:sldId id="284" r:id="rId3"/>
+    <p:sldId id="284" r:id="rId2"/>
+    <p:sldId id="285" r:id="rId3"/>
     <p:sldId id="260" r:id="rId4"/>
     <p:sldId id="277" r:id="rId5"/>
     <p:sldId id="262" r:id="rId6"/>
@@ -23,7 +23,7 @@
     <p:sldId id="276" r:id="rId17"/>
     <p:sldId id="275" r:id="rId18"/>
     <p:sldId id="272" r:id="rId19"/>
-    <p:sldId id="285" r:id="rId20"/>
+    <p:sldId id="286" r:id="rId20"/>
   </p:sldIdLst>
   <p:sldSz cx="12192000" cy="6858000"/>
   <p:notesSz cx="6858000" cy="9144000"/>
@@ -405,7 +405,7 @@
           <a:p>
             <a:fld id="{FF2D6938-D6E6-41FA-8798-4A982E8C5E4B}" type="datetimeFigureOut">
               <a:rPr lang="zh-TW" altLang="en-US" smtClean="0"/>
-              <a:t>2020/8/1</a:t>
+              <a:t>2020/8/2</a:t>
             </a:fld>
             <a:endParaRPr lang="zh-TW" altLang="en-US"/>
           </a:p>
@@ -613,7 +613,7 @@
           <a:p>
             <a:fld id="{FF2D6938-D6E6-41FA-8798-4A982E8C5E4B}" type="datetimeFigureOut">
               <a:rPr lang="zh-TW" altLang="en-US" smtClean="0"/>
-              <a:t>2020/8/1</a:t>
+              <a:t>2020/8/2</a:t>
             </a:fld>
             <a:endParaRPr lang="zh-TW" altLang="en-US"/>
           </a:p>
@@ -2329,7 +2329,7 @@
           <a:p>
             <a:fld id="{FF2D6938-D6E6-41FA-8798-4A982E8C5E4B}" type="datetimeFigureOut">
               <a:rPr lang="zh-TW" altLang="en-US" smtClean="0"/>
-              <a:t>2020/8/1</a:t>
+              <a:t>2020/8/2</a:t>
             </a:fld>
             <a:endParaRPr lang="zh-TW" altLang="en-US"/>
           </a:p>
@@ -2470,7 +2470,7 @@
           <a:p>
             <a:fld id="{FF2D6938-D6E6-41FA-8798-4A982E8C5E4B}" type="datetimeFigureOut">
               <a:rPr lang="zh-TW" altLang="en-US" smtClean="0"/>
-              <a:t>2020/8/1</a:t>
+              <a:t>2020/8/2</a:t>
             </a:fld>
             <a:endParaRPr lang="zh-TW" altLang="en-US"/>
           </a:p>
@@ -2583,7 +2583,7 @@
           <a:p>
             <a:fld id="{FF2D6938-D6E6-41FA-8798-4A982E8C5E4B}" type="datetimeFigureOut">
               <a:rPr lang="zh-TW" altLang="en-US" smtClean="0"/>
-              <a:t>2020/8/1</a:t>
+              <a:t>2020/8/2</a:t>
             </a:fld>
             <a:endParaRPr lang="zh-TW" altLang="en-US"/>
           </a:p>
@@ -2894,7 +2894,7 @@
           <a:p>
             <a:fld id="{FF2D6938-D6E6-41FA-8798-4A982E8C5E4B}" type="datetimeFigureOut">
               <a:rPr lang="zh-TW" altLang="en-US" smtClean="0"/>
-              <a:t>2020/8/1</a:t>
+              <a:t>2020/8/2</a:t>
             </a:fld>
             <a:endParaRPr lang="zh-TW" altLang="en-US"/>
           </a:p>
@@ -3182,7 +3182,7 @@
           <a:p>
             <a:fld id="{FF2D6938-D6E6-41FA-8798-4A982E8C5E4B}" type="datetimeFigureOut">
               <a:rPr lang="zh-TW" altLang="en-US" smtClean="0"/>
-              <a:t>2020/8/1</a:t>
+              <a:t>2020/8/2</a:t>
             </a:fld>
             <a:endParaRPr lang="zh-TW" altLang="en-US"/>
           </a:p>
@@ -3423,7 +3423,7 @@
           <a:p>
             <a:fld id="{FF2D6938-D6E6-41FA-8798-4A982E8C5E4B}" type="datetimeFigureOut">
               <a:rPr lang="zh-TW" altLang="en-US" smtClean="0"/>
-              <a:t>2020/8/1</a:t>
+              <a:t>2020/8/2</a:t>
             </a:fld>
             <a:endParaRPr lang="zh-TW" altLang="en-US"/>
           </a:p>
@@ -4022,7 +4022,7 @@
     </p:spTree>
     <p:extLst>
       <p:ext uri="{BB962C8B-B14F-4D97-AF65-F5344CB8AC3E}">
-        <p14:creationId xmlns:p14="http://schemas.microsoft.com/office/powerpoint/2010/main" val="1187904047"/>
+        <p14:creationId xmlns:p14="http://schemas.microsoft.com/office/powerpoint/2010/main" val="4151217285"/>
       </p:ext>
     </p:extLst>
   </p:cSld>

--- a/Slide/AIS3 dragon security .pptx
+++ b/Slide/AIS3 dragon security .pptx
@@ -17,13 +17,12 @@
     <p:sldId id="283" r:id="rId11"/>
     <p:sldId id="281" r:id="rId12"/>
     <p:sldId id="271" r:id="rId13"/>
-    <p:sldId id="273" r:id="rId14"/>
-    <p:sldId id="274" r:id="rId15"/>
-    <p:sldId id="270" r:id="rId16"/>
-    <p:sldId id="276" r:id="rId17"/>
-    <p:sldId id="275" r:id="rId18"/>
-    <p:sldId id="272" r:id="rId19"/>
-    <p:sldId id="286" r:id="rId20"/>
+    <p:sldId id="274" r:id="rId14"/>
+    <p:sldId id="270" r:id="rId15"/>
+    <p:sldId id="276" r:id="rId16"/>
+    <p:sldId id="275" r:id="rId17"/>
+    <p:sldId id="272" r:id="rId18"/>
+    <p:sldId id="286" r:id="rId19"/>
   </p:sldIdLst>
   <p:sldSz cx="12192000" cy="6858000"/>
   <p:notesSz cx="6858000" cy="9144000"/>
@@ -4117,18 +4116,21 @@
             </a:pPr>
             <a:r>
               <a:rPr lang="zh-TW" altLang="en-US" sz="6000" b="1" dirty="0">
+                <a:solidFill>
+                  <a:srgbClr val="FF0000"/>
+                </a:solidFill>
                 <a:latin typeface="微軟正黑體" panose="020B0604030504040204" pitchFamily="34" charset="-120"/>
                 <a:ea typeface="微軟正黑體" panose="020B0604030504040204" pitchFamily="34" charset="-120"/>
               </a:rPr>
               <a:t>程式安全</a:t>
             </a:r>
-            <a:r>
-              <a:rPr lang="en-US" altLang="zh-TW" sz="6000" b="1" dirty="0">
-                <a:latin typeface="微軟正黑體" panose="020B0604030504040204" pitchFamily="34" charset="-120"/>
-                <a:ea typeface="微軟正黑體" panose="020B0604030504040204" pitchFamily="34" charset="-120"/>
-              </a:rPr>
-              <a:t>(?)</a:t>
-            </a:r>
+            <a:endParaRPr lang="en-US" altLang="zh-TW" sz="6000" b="1" dirty="0">
+              <a:solidFill>
+                <a:srgbClr val="FF0000"/>
+              </a:solidFill>
+              <a:latin typeface="微軟正黑體" panose="020B0604030504040204" pitchFamily="34" charset="-120"/>
+              <a:ea typeface="微軟正黑體" panose="020B0604030504040204" pitchFamily="34" charset="-120"/>
+            </a:endParaRPr>
           </a:p>
           <a:p>
             <a:pPr marL="857250" indent="-857250">
@@ -4137,12 +4139,18 @@
             </a:pPr>
             <a:r>
               <a:rPr lang="zh-TW" altLang="en-US" sz="6000" b="1" dirty="0">
+                <a:solidFill>
+                  <a:srgbClr val="FF0000"/>
+                </a:solidFill>
                 <a:latin typeface="微軟正黑體" panose="020B0604030504040204" pitchFamily="34" charset="-120"/>
                 <a:ea typeface="微軟正黑體" panose="020B0604030504040204" pitchFamily="34" charset="-120"/>
               </a:rPr>
               <a:t>服務環境安全</a:t>
             </a:r>
             <a:endParaRPr lang="en-US" altLang="zh-TW" sz="6000" b="1" dirty="0">
+              <a:solidFill>
+                <a:srgbClr val="FF0000"/>
+              </a:solidFill>
               <a:latin typeface="微軟正黑體" panose="020B0604030504040204" pitchFamily="34" charset="-120"/>
               <a:ea typeface="微軟正黑體" panose="020B0604030504040204" pitchFamily="34" charset="-120"/>
             </a:endParaRPr>
@@ -4590,139 +4598,6 @@
         </p:nvSpPr>
         <p:spPr>
           <a:xfrm>
-            <a:off x="758925" y="811738"/>
-            <a:ext cx="4868152" cy="1015663"/>
-          </a:xfrm>
-          <a:prstGeom prst="rect">
-            <a:avLst/>
-          </a:prstGeom>
-          <a:noFill/>
-        </p:spPr>
-        <p:txBody>
-          <a:bodyPr wrap="square" rtlCol="0">
-            <a:spAutoFit/>
-          </a:bodyPr>
-          <a:lstStyle/>
-          <a:p>
-            <a:r>
-              <a:rPr lang="zh-TW" altLang="en-US" sz="6000" b="1" dirty="0">
-                <a:latin typeface="微軟正黑體" panose="020B0604030504040204" pitchFamily="34" charset="-120"/>
-                <a:ea typeface="微軟正黑體" panose="020B0604030504040204" pitchFamily="34" charset="-120"/>
-              </a:rPr>
-              <a:t>程式安全</a:t>
-            </a:r>
-          </a:p>
-        </p:txBody>
-      </p:sp>
-      <p:sp>
-        <p:nvSpPr>
-          <p:cNvPr id="3" name="文字方塊 2">
-            <a:extLst>
-              <a:ext uri="{FF2B5EF4-FFF2-40B4-BE49-F238E27FC236}">
-                <a16:creationId xmlns:a16="http://schemas.microsoft.com/office/drawing/2014/main" id="{D4AA29EA-679E-4682-8A6F-EA6E93A4F17E}"/>
-              </a:ext>
-            </a:extLst>
-          </p:cNvPr>
-          <p:cNvSpPr txBox="1"/>
-          <p:nvPr/>
-        </p:nvSpPr>
-        <p:spPr>
-          <a:xfrm>
-            <a:off x="949910" y="2843046"/>
-            <a:ext cx="7466119" cy="2172582"/>
-          </a:xfrm>
-          <a:prstGeom prst="rect">
-            <a:avLst/>
-          </a:prstGeom>
-          <a:noFill/>
-        </p:spPr>
-        <p:txBody>
-          <a:bodyPr wrap="square" rtlCol="0">
-            <a:spAutoFit/>
-          </a:bodyPr>
-          <a:lstStyle/>
-          <a:p>
-            <a:pPr marL="457200" indent="-457200">
-              <a:lnSpc>
-                <a:spcPct val="150000"/>
-              </a:lnSpc>
-              <a:buFont typeface="Arial" panose="020B0604020202020204" pitchFamily="34" charset="0"/>
-              <a:buChar char="•"/>
-            </a:pPr>
-            <a:r>
-              <a:rPr lang="zh-TW" altLang="en-US" sz="4800" dirty="0">
-                <a:latin typeface="微軟正黑體" panose="020B0604030504040204" pitchFamily="34" charset="-120"/>
-                <a:ea typeface="微軟正黑體" panose="020B0604030504040204" pitchFamily="34" charset="-120"/>
-              </a:rPr>
-              <a:t>自動化程式安全測試</a:t>
-            </a:r>
-            <a:endParaRPr lang="en-US" altLang="zh-TW" sz="4800" dirty="0">
-              <a:latin typeface="微軟正黑體" panose="020B0604030504040204" pitchFamily="34" charset="-120"/>
-              <a:ea typeface="微軟正黑體" panose="020B0604030504040204" pitchFamily="34" charset="-120"/>
-            </a:endParaRPr>
-          </a:p>
-          <a:p>
-            <a:pPr marL="914400" lvl="1" indent="-457200">
-              <a:lnSpc>
-                <a:spcPct val="150000"/>
-              </a:lnSpc>
-              <a:buFont typeface="Arial" panose="020B0604020202020204" pitchFamily="34" charset="0"/>
-              <a:buChar char="•"/>
-            </a:pPr>
-            <a:r>
-              <a:rPr lang="zh-TW" altLang="en-US" sz="4800" dirty="0">
-                <a:latin typeface="微軟正黑體" panose="020B0604030504040204" pitchFamily="34" charset="-120"/>
-                <a:ea typeface="微軟正黑體" panose="020B0604030504040204" pitchFamily="34" charset="-120"/>
-              </a:rPr>
-              <a:t>邊界條件測試</a:t>
-            </a:r>
-          </a:p>
-        </p:txBody>
-      </p:sp>
-    </p:spTree>
-    <p:extLst>
-      <p:ext uri="{BB962C8B-B14F-4D97-AF65-F5344CB8AC3E}">
-        <p14:creationId xmlns:p14="http://schemas.microsoft.com/office/powerpoint/2010/main" val="1112840081"/>
-      </p:ext>
-    </p:extLst>
-  </p:cSld>
-  <p:clrMapOvr>
-    <a:masterClrMapping/>
-  </p:clrMapOvr>
-</p:sld>
-</file>
-
-<file path=ppt/slides/slide14.xml><?xml version="1.0" encoding="utf-8"?>
-<p:sld xmlns:a="http://schemas.openxmlformats.org/drawingml/2006/main" xmlns:r="http://schemas.openxmlformats.org/officeDocument/2006/relationships" xmlns:p="http://schemas.openxmlformats.org/presentationml/2006/main">
-  <p:cSld>
-    <p:spTree>
-      <p:nvGrpSpPr>
-        <p:cNvPr id="1" name=""/>
-        <p:cNvGrpSpPr/>
-        <p:nvPr/>
-      </p:nvGrpSpPr>
-      <p:grpSpPr>
-        <a:xfrm>
-          <a:off x="0" y="0"/>
-          <a:ext cx="0" cy="0"/>
-          <a:chOff x="0" y="0"/>
-          <a:chExt cx="0" cy="0"/>
-        </a:xfrm>
-      </p:grpSpPr>
-      <p:sp>
-        <p:nvSpPr>
-          <p:cNvPr id="2" name="文字方塊 1">
-            <a:extLst>
-              <a:ext uri="{FF2B5EF4-FFF2-40B4-BE49-F238E27FC236}">
-                <a16:creationId xmlns:a16="http://schemas.microsoft.com/office/drawing/2014/main" id="{B4AB42E0-7A8E-4DA9-B525-041E31E1F55D}"/>
-              </a:ext>
-            </a:extLst>
-          </p:cNvPr>
-          <p:cNvSpPr txBox="1"/>
-          <p:nvPr/>
-        </p:nvSpPr>
-        <p:spPr>
-          <a:xfrm>
             <a:off x="704218" y="749216"/>
             <a:ext cx="5008828" cy="1015663"/>
           </a:xfrm>
@@ -4912,7 +4787,7 @@
 </p:sld>
 </file>
 
-<file path=ppt/slides/slide15.xml><?xml version="1.0" encoding="utf-8"?>
+<file path=ppt/slides/slide14.xml><?xml version="1.0" encoding="utf-8"?>
 <p:sld xmlns:a="http://schemas.openxmlformats.org/drawingml/2006/main" xmlns:r="http://schemas.openxmlformats.org/officeDocument/2006/relationships" xmlns:p="http://schemas.openxmlformats.org/presentationml/2006/main">
   <p:cSld>
     <p:spTree>
@@ -5422,6 +5297,155 @@
 </p:sld>
 </file>
 
+<file path=ppt/slides/slide15.xml><?xml version="1.0" encoding="utf-8"?>
+<p:sld xmlns:a="http://schemas.openxmlformats.org/drawingml/2006/main" xmlns:r="http://schemas.openxmlformats.org/officeDocument/2006/relationships" xmlns:p="http://schemas.openxmlformats.org/presentationml/2006/main">
+  <p:cSld>
+    <p:spTree>
+      <p:nvGrpSpPr>
+        <p:cNvPr id="1" name=""/>
+        <p:cNvGrpSpPr/>
+        <p:nvPr/>
+      </p:nvGrpSpPr>
+      <p:grpSpPr>
+        <a:xfrm>
+          <a:off x="0" y="0"/>
+          <a:ext cx="0" cy="0"/>
+          <a:chOff x="0" y="0"/>
+          <a:chExt cx="0" cy="0"/>
+        </a:xfrm>
+      </p:grpSpPr>
+      <p:sp>
+        <p:nvSpPr>
+          <p:cNvPr id="2" name="文字方塊 1">
+            <a:extLst>
+              <a:ext uri="{FF2B5EF4-FFF2-40B4-BE49-F238E27FC236}">
+                <a16:creationId xmlns:a16="http://schemas.microsoft.com/office/drawing/2014/main" id="{B4AB42E0-7A8E-4DA9-B525-041E31E1F55D}"/>
+              </a:ext>
+            </a:extLst>
+          </p:cNvPr>
+          <p:cNvSpPr txBox="1"/>
+          <p:nvPr/>
+        </p:nvSpPr>
+        <p:spPr>
+          <a:xfrm>
+            <a:off x="594803" y="639800"/>
+            <a:ext cx="2562612" cy="1015663"/>
+          </a:xfrm>
+          <a:prstGeom prst="rect">
+            <a:avLst/>
+          </a:prstGeom>
+          <a:noFill/>
+        </p:spPr>
+        <p:txBody>
+          <a:bodyPr wrap="square" rtlCol="0">
+            <a:spAutoFit/>
+          </a:bodyPr>
+          <a:lstStyle/>
+          <a:p>
+            <a:r>
+              <a:rPr lang="en-US" altLang="zh-TW" sz="6000" b="1" dirty="0">
+                <a:latin typeface="微軟正黑體" panose="020B0604030504040204" pitchFamily="34" charset="-120"/>
+                <a:ea typeface="微軟正黑體" panose="020B0604030504040204" pitchFamily="34" charset="-120"/>
+              </a:rPr>
+              <a:t>Demo</a:t>
+            </a:r>
+            <a:endParaRPr lang="zh-TW" altLang="en-US" sz="6000" b="1" dirty="0">
+              <a:latin typeface="微軟正黑體" panose="020B0604030504040204" pitchFamily="34" charset="-120"/>
+              <a:ea typeface="微軟正黑體" panose="020B0604030504040204" pitchFamily="34" charset="-120"/>
+            </a:endParaRPr>
+          </a:p>
+        </p:txBody>
+      </p:sp>
+      <p:sp>
+        <p:nvSpPr>
+          <p:cNvPr id="3" name="文字方塊 2">
+            <a:extLst>
+              <a:ext uri="{FF2B5EF4-FFF2-40B4-BE49-F238E27FC236}">
+                <a16:creationId xmlns:a16="http://schemas.microsoft.com/office/drawing/2014/main" id="{44A37A0D-BFEA-4BA9-A9D9-3F287B71088F}"/>
+              </a:ext>
+            </a:extLst>
+          </p:cNvPr>
+          <p:cNvSpPr txBox="1"/>
+          <p:nvPr/>
+        </p:nvSpPr>
+        <p:spPr>
+          <a:xfrm>
+            <a:off x="1020174" y="2015874"/>
+            <a:ext cx="6951215" cy="3679084"/>
+          </a:xfrm>
+          <a:prstGeom prst="rect">
+            <a:avLst/>
+          </a:prstGeom>
+          <a:noFill/>
+        </p:spPr>
+        <p:txBody>
+          <a:bodyPr wrap="square" rtlCol="0">
+            <a:spAutoFit/>
+          </a:bodyPr>
+          <a:lstStyle/>
+          <a:p>
+            <a:pPr marL="342900" indent="-342900">
+              <a:lnSpc>
+                <a:spcPct val="150000"/>
+              </a:lnSpc>
+              <a:buFont typeface="Arial" panose="020B0604020202020204" pitchFamily="34" charset="0"/>
+              <a:buChar char="•"/>
+            </a:pPr>
+            <a:r>
+              <a:rPr lang="en-US" altLang="zh-TW" sz="5400" dirty="0">
+                <a:latin typeface="微軟正黑體" panose="020B0604030504040204" pitchFamily="34" charset="-120"/>
+                <a:ea typeface="微軟正黑體" panose="020B0604030504040204" pitchFamily="34" charset="-120"/>
+              </a:rPr>
+              <a:t>Secrets Vault</a:t>
+            </a:r>
+          </a:p>
+          <a:p>
+            <a:pPr marL="342900" indent="-342900">
+              <a:lnSpc>
+                <a:spcPct val="150000"/>
+              </a:lnSpc>
+              <a:buFont typeface="Arial" panose="020B0604020202020204" pitchFamily="34" charset="0"/>
+              <a:buChar char="•"/>
+            </a:pPr>
+            <a:r>
+              <a:rPr lang="en-US" altLang="zh-TW" sz="5400" dirty="0">
+                <a:latin typeface="微軟正黑體" panose="020B0604030504040204" pitchFamily="34" charset="-120"/>
+                <a:ea typeface="微軟正黑體" panose="020B0604030504040204" pitchFamily="34" charset="-120"/>
+              </a:rPr>
+              <a:t>Package Guardian</a:t>
+            </a:r>
+          </a:p>
+          <a:p>
+            <a:pPr marL="342900" indent="-342900">
+              <a:lnSpc>
+                <a:spcPct val="150000"/>
+              </a:lnSpc>
+              <a:buFont typeface="Arial" panose="020B0604020202020204" pitchFamily="34" charset="0"/>
+              <a:buChar char="•"/>
+            </a:pPr>
+            <a:r>
+              <a:rPr lang="en-US" altLang="zh-TW" sz="5400" dirty="0">
+                <a:latin typeface="微軟正黑體" panose="020B0604030504040204" pitchFamily="34" charset="-120"/>
+                <a:ea typeface="微軟正黑體" panose="020B0604030504040204" pitchFamily="34" charset="-120"/>
+              </a:rPr>
+              <a:t>Dashboard</a:t>
+            </a:r>
+          </a:p>
+        </p:txBody>
+      </p:sp>
+    </p:spTree>
+    <p:extLst>
+      <p:ext uri="{BB962C8B-B14F-4D97-AF65-F5344CB8AC3E}">
+        <p14:creationId xmlns:p14="http://schemas.microsoft.com/office/powerpoint/2010/main" val="1498528672"/>
+      </p:ext>
+    </p:extLst>
+  </p:cSld>
+  <p:clrMapOvr>
+    <a:masterClrMapping/>
+  </p:clrMapOvr>
+</p:sld>
+</file>
+
 <file path=ppt/slides/slide16.xml><?xml version="1.0" encoding="utf-8"?>
 <p:sld xmlns:a="http://schemas.openxmlformats.org/drawingml/2006/main" xmlns:r="http://schemas.openxmlformats.org/officeDocument/2006/relationships" xmlns:p="http://schemas.openxmlformats.org/presentationml/2006/main">
   <p:cSld>
@@ -5453,8 +5477,8 @@
         </p:nvSpPr>
         <p:spPr>
           <a:xfrm>
-            <a:off x="594803" y="639800"/>
-            <a:ext cx="2562612" cy="1015663"/>
+            <a:off x="501019" y="694507"/>
+            <a:ext cx="9552374" cy="1015663"/>
           </a:xfrm>
           <a:prstGeom prst="rect">
             <a:avLst/>
@@ -5472,7 +5496,7 @@
                 <a:latin typeface="微軟正黑體" panose="020B0604030504040204" pitchFamily="34" charset="-120"/>
                 <a:ea typeface="微軟正黑體" panose="020B0604030504040204" pitchFamily="34" charset="-120"/>
               </a:rPr>
-              <a:t>Demo</a:t>
+              <a:t>Future Expectation</a:t>
             </a:r>
             <a:endParaRPr lang="zh-TW" altLang="en-US" sz="6000" b="1" dirty="0">
               <a:latin typeface="微軟正黑體" panose="020B0604030504040204" pitchFamily="34" charset="-120"/>
@@ -5483,10 +5507,10 @@
       </p:sp>
       <p:sp>
         <p:nvSpPr>
-          <p:cNvPr id="3" name="文字方塊 2">
-            <a:extLst>
-              <a:ext uri="{FF2B5EF4-FFF2-40B4-BE49-F238E27FC236}">
-                <a16:creationId xmlns:a16="http://schemas.microsoft.com/office/drawing/2014/main" id="{44A37A0D-BFEA-4BA9-A9D9-3F287B71088F}"/>
+          <p:cNvPr id="5" name="文字方塊 4">
+            <a:extLst>
+              <a:ext uri="{FF2B5EF4-FFF2-40B4-BE49-F238E27FC236}">
+                <a16:creationId xmlns:a16="http://schemas.microsoft.com/office/drawing/2014/main" id="{D6F22B2D-DECD-498D-BF23-6602D8256DBA}"/>
               </a:ext>
             </a:extLst>
           </p:cNvPr>
@@ -5495,8 +5519,8 @@
         </p:nvSpPr>
         <p:spPr>
           <a:xfrm>
-            <a:off x="1020174" y="2015874"/>
-            <a:ext cx="6951215" cy="3679084"/>
+            <a:off x="793451" y="2449553"/>
+            <a:ext cx="9686980" cy="2800767"/>
           </a:xfrm>
           <a:prstGeom prst="rect">
             <a:avLst/>
@@ -5509,59 +5533,99 @@
           </a:bodyPr>
           <a:lstStyle/>
           <a:p>
-            <a:pPr marL="342900" indent="-342900">
-              <a:lnSpc>
-                <a:spcPct val="150000"/>
-              </a:lnSpc>
+            <a:r>
+              <a:rPr lang="zh-TW" altLang="en-US" sz="4400" dirty="0">
+                <a:latin typeface="微軟正黑體" panose="020B0604030504040204" pitchFamily="34" charset="-120"/>
+                <a:ea typeface="微軟正黑體" panose="020B0604030504040204" pitchFamily="34" charset="-120"/>
+              </a:rPr>
+              <a:t>整合更多相關套件</a:t>
+            </a:r>
+            <a:r>
+              <a:rPr lang="zh-TW" altLang="en-US" sz="4400" strike="sngStrike" dirty="0">
+                <a:latin typeface="微軟正黑體" panose="020B0604030504040204" pitchFamily="34" charset="-120"/>
+                <a:ea typeface="微軟正黑體" panose="020B0604030504040204" pitchFamily="34" charset="-120"/>
+              </a:rPr>
+              <a:t>成為一條龍</a:t>
+            </a:r>
+            <a:endParaRPr lang="en-US" altLang="zh-TW" sz="4400" dirty="0">
+              <a:latin typeface="微軟正黑體" panose="020B0604030504040204" pitchFamily="34" charset="-120"/>
+              <a:ea typeface="微軟正黑體" panose="020B0604030504040204" pitchFamily="34" charset="-120"/>
+            </a:endParaRPr>
+          </a:p>
+          <a:p>
+            <a:endParaRPr lang="en-US" altLang="zh-TW" sz="4400" dirty="0">
+              <a:latin typeface="微軟正黑體" panose="020B0604030504040204" pitchFamily="34" charset="-120"/>
+              <a:ea typeface="微軟正黑體" panose="020B0604030504040204" pitchFamily="34" charset="-120"/>
+            </a:endParaRPr>
+          </a:p>
+          <a:p>
+            <a:pPr marL="571500" indent="-571500">
               <a:buFont typeface="Arial" panose="020B0604020202020204" pitchFamily="34" charset="0"/>
               <a:buChar char="•"/>
             </a:pPr>
             <a:r>
-              <a:rPr lang="en-US" altLang="zh-TW" sz="5400" dirty="0">
-                <a:latin typeface="微軟正黑體" panose="020B0604030504040204" pitchFamily="34" charset="-120"/>
-                <a:ea typeface="微軟正黑體" panose="020B0604030504040204" pitchFamily="34" charset="-120"/>
-              </a:rPr>
-              <a:t>Secrets Vault</a:t>
-            </a:r>
-          </a:p>
-          <a:p>
-            <a:pPr marL="342900" indent="-342900">
-              <a:lnSpc>
-                <a:spcPct val="150000"/>
-              </a:lnSpc>
+              <a:rPr lang="en-US" altLang="zh-TW" sz="4400" dirty="0">
+                <a:latin typeface="微軟正黑體" panose="020B0604030504040204" pitchFamily="34" charset="-120"/>
+                <a:ea typeface="微軟正黑體" panose="020B0604030504040204" pitchFamily="34" charset="-120"/>
+              </a:rPr>
+              <a:t>CI/CD</a:t>
+            </a:r>
+            <a:r>
+              <a:rPr lang="zh-TW" altLang="en-US" sz="4400" dirty="0">
+                <a:latin typeface="微軟正黑體" panose="020B0604030504040204" pitchFamily="34" charset="-120"/>
+                <a:ea typeface="微軟正黑體" panose="020B0604030504040204" pitchFamily="34" charset="-120"/>
+              </a:rPr>
+              <a:t>與自動化資安測試整合</a:t>
+            </a:r>
+            <a:endParaRPr lang="en-US" altLang="zh-TW" sz="4400" dirty="0">
+              <a:latin typeface="微軟正黑體" panose="020B0604030504040204" pitchFamily="34" charset="-120"/>
+              <a:ea typeface="微軟正黑體" panose="020B0604030504040204" pitchFamily="34" charset="-120"/>
+            </a:endParaRPr>
+          </a:p>
+          <a:p>
+            <a:pPr marL="571500" indent="-571500">
               <a:buFont typeface="Arial" panose="020B0604020202020204" pitchFamily="34" charset="0"/>
               <a:buChar char="•"/>
             </a:pPr>
             <a:r>
-              <a:rPr lang="en-US" altLang="zh-TW" sz="5400" dirty="0">
-                <a:latin typeface="微軟正黑體" panose="020B0604030504040204" pitchFamily="34" charset="-120"/>
-                <a:ea typeface="微軟正黑體" panose="020B0604030504040204" pitchFamily="34" charset="-120"/>
-              </a:rPr>
-              <a:t>Package Guardian</a:t>
-            </a:r>
-          </a:p>
-          <a:p>
-            <a:pPr marL="342900" indent="-342900">
-              <a:lnSpc>
-                <a:spcPct val="150000"/>
-              </a:lnSpc>
-              <a:buFont typeface="Arial" panose="020B0604020202020204" pitchFamily="34" charset="0"/>
-              <a:buChar char="•"/>
-            </a:pPr>
-            <a:r>
-              <a:rPr lang="en-US" altLang="zh-TW" sz="5400" dirty="0">
-                <a:latin typeface="微軟正黑體" panose="020B0604030504040204" pitchFamily="34" charset="-120"/>
-                <a:ea typeface="微軟正黑體" panose="020B0604030504040204" pitchFamily="34" charset="-120"/>
-              </a:rPr>
-              <a:t>Dashboard</a:t>
-            </a:r>
+              <a:rPr lang="zh-TW" altLang="en-US" sz="4400" dirty="0">
+                <a:latin typeface="微軟正黑體" panose="020B0604030504040204" pitchFamily="34" charset="-120"/>
+                <a:ea typeface="微軟正黑體" panose="020B0604030504040204" pitchFamily="34" charset="-120"/>
+              </a:rPr>
+              <a:t>服務環境安全</a:t>
+            </a:r>
+            <a:r>
+              <a:rPr lang="en-US" altLang="zh-TW" sz="4400" dirty="0">
+                <a:latin typeface="微軟正黑體" panose="020B0604030504040204" pitchFamily="34" charset="-120"/>
+                <a:ea typeface="微軟正黑體" panose="020B0604030504040204" pitchFamily="34" charset="-120"/>
+              </a:rPr>
+              <a:t>(</a:t>
+            </a:r>
+            <a:r>
+              <a:rPr lang="zh-TW" altLang="en-US" sz="4400" dirty="0">
+                <a:latin typeface="微軟正黑體" panose="020B0604030504040204" pitchFamily="34" charset="-120"/>
+                <a:ea typeface="微軟正黑體" panose="020B0604030504040204" pitchFamily="34" charset="-120"/>
+              </a:rPr>
+              <a:t>持續追蹤的真諦</a:t>
+            </a:r>
+            <a:r>
+              <a:rPr lang="en-US" altLang="zh-TW" sz="4400" dirty="0">
+                <a:latin typeface="微軟正黑體" panose="020B0604030504040204" pitchFamily="34" charset="-120"/>
+                <a:ea typeface="微軟正黑體" panose="020B0604030504040204" pitchFamily="34" charset="-120"/>
+              </a:rPr>
+              <a:t>(?)</a:t>
+            </a:r>
+            <a:endParaRPr lang="zh-TW" altLang="en-US" sz="4400" dirty="0">
+              <a:latin typeface="微軟正黑體" panose="020B0604030504040204" pitchFamily="34" charset="-120"/>
+              <a:ea typeface="微軟正黑體" panose="020B0604030504040204" pitchFamily="34" charset="-120"/>
+            </a:endParaRPr>
           </a:p>
         </p:txBody>
       </p:sp>
     </p:spTree>
     <p:extLst>
       <p:ext uri="{BB962C8B-B14F-4D97-AF65-F5344CB8AC3E}">
-        <p14:creationId xmlns:p14="http://schemas.microsoft.com/office/powerpoint/2010/main" val="1498528672"/>
+        <p14:creationId xmlns:p14="http://schemas.microsoft.com/office/powerpoint/2010/main" val="129849646"/>
       </p:ext>
     </p:extLst>
   </p:cSld>
@@ -5602,195 +5666,6 @@
         </p:nvSpPr>
         <p:spPr>
           <a:xfrm>
-            <a:off x="501019" y="694507"/>
-            <a:ext cx="9552374" cy="1015663"/>
-          </a:xfrm>
-          <a:prstGeom prst="rect">
-            <a:avLst/>
-          </a:prstGeom>
-          <a:noFill/>
-        </p:spPr>
-        <p:txBody>
-          <a:bodyPr wrap="square" rtlCol="0">
-            <a:spAutoFit/>
-          </a:bodyPr>
-          <a:lstStyle/>
-          <a:p>
-            <a:r>
-              <a:rPr lang="en-US" altLang="zh-TW" sz="6000" b="1" dirty="0">
-                <a:latin typeface="微軟正黑體" panose="020B0604030504040204" pitchFamily="34" charset="-120"/>
-                <a:ea typeface="微軟正黑體" panose="020B0604030504040204" pitchFamily="34" charset="-120"/>
-              </a:rPr>
-              <a:t>Future Expectation</a:t>
-            </a:r>
-            <a:endParaRPr lang="zh-TW" altLang="en-US" sz="6000" b="1" dirty="0">
-              <a:latin typeface="微軟正黑體" panose="020B0604030504040204" pitchFamily="34" charset="-120"/>
-              <a:ea typeface="微軟正黑體" panose="020B0604030504040204" pitchFamily="34" charset="-120"/>
-            </a:endParaRPr>
-          </a:p>
-        </p:txBody>
-      </p:sp>
-      <p:sp>
-        <p:nvSpPr>
-          <p:cNvPr id="5" name="文字方塊 4">
-            <a:extLst>
-              <a:ext uri="{FF2B5EF4-FFF2-40B4-BE49-F238E27FC236}">
-                <a16:creationId xmlns:a16="http://schemas.microsoft.com/office/drawing/2014/main" id="{D6F22B2D-DECD-498D-BF23-6602D8256DBA}"/>
-              </a:ext>
-            </a:extLst>
-          </p:cNvPr>
-          <p:cNvSpPr txBox="1"/>
-          <p:nvPr/>
-        </p:nvSpPr>
-        <p:spPr>
-          <a:xfrm>
-            <a:off x="793451" y="2449553"/>
-            <a:ext cx="9686980" cy="2800767"/>
-          </a:xfrm>
-          <a:prstGeom prst="rect">
-            <a:avLst/>
-          </a:prstGeom>
-          <a:noFill/>
-        </p:spPr>
-        <p:txBody>
-          <a:bodyPr wrap="square" rtlCol="0">
-            <a:spAutoFit/>
-          </a:bodyPr>
-          <a:lstStyle/>
-          <a:p>
-            <a:r>
-              <a:rPr lang="zh-TW" altLang="en-US" sz="4400" dirty="0">
-                <a:latin typeface="微軟正黑體" panose="020B0604030504040204" pitchFamily="34" charset="-120"/>
-                <a:ea typeface="微軟正黑體" panose="020B0604030504040204" pitchFamily="34" charset="-120"/>
-              </a:rPr>
-              <a:t>整合更多相關套件</a:t>
-            </a:r>
-            <a:r>
-              <a:rPr lang="zh-TW" altLang="en-US" sz="4400" strike="sngStrike" dirty="0">
-                <a:latin typeface="微軟正黑體" panose="020B0604030504040204" pitchFamily="34" charset="-120"/>
-                <a:ea typeface="微軟正黑體" panose="020B0604030504040204" pitchFamily="34" charset="-120"/>
-              </a:rPr>
-              <a:t>成為一條龍</a:t>
-            </a:r>
-            <a:endParaRPr lang="en-US" altLang="zh-TW" sz="4400" dirty="0">
-              <a:latin typeface="微軟正黑體" panose="020B0604030504040204" pitchFamily="34" charset="-120"/>
-              <a:ea typeface="微軟正黑體" panose="020B0604030504040204" pitchFamily="34" charset="-120"/>
-            </a:endParaRPr>
-          </a:p>
-          <a:p>
-            <a:endParaRPr lang="en-US" altLang="zh-TW" sz="4400" dirty="0">
-              <a:latin typeface="微軟正黑體" panose="020B0604030504040204" pitchFamily="34" charset="-120"/>
-              <a:ea typeface="微軟正黑體" panose="020B0604030504040204" pitchFamily="34" charset="-120"/>
-            </a:endParaRPr>
-          </a:p>
-          <a:p>
-            <a:pPr marL="571500" indent="-571500">
-              <a:buFont typeface="Arial" panose="020B0604020202020204" pitchFamily="34" charset="0"/>
-              <a:buChar char="•"/>
-            </a:pPr>
-            <a:r>
-              <a:rPr lang="en-US" altLang="zh-TW" sz="4400" dirty="0">
-                <a:latin typeface="微軟正黑體" panose="020B0604030504040204" pitchFamily="34" charset="-120"/>
-                <a:ea typeface="微軟正黑體" panose="020B0604030504040204" pitchFamily="34" charset="-120"/>
-              </a:rPr>
-              <a:t>CI/CD</a:t>
-            </a:r>
-            <a:r>
-              <a:rPr lang="zh-TW" altLang="en-US" sz="4400" dirty="0">
-                <a:latin typeface="微軟正黑體" panose="020B0604030504040204" pitchFamily="34" charset="-120"/>
-                <a:ea typeface="微軟正黑體" panose="020B0604030504040204" pitchFamily="34" charset="-120"/>
-              </a:rPr>
-              <a:t>與自動化資安測試整合</a:t>
-            </a:r>
-            <a:endParaRPr lang="en-US" altLang="zh-TW" sz="4400" dirty="0">
-              <a:latin typeface="微軟正黑體" panose="020B0604030504040204" pitchFamily="34" charset="-120"/>
-              <a:ea typeface="微軟正黑體" panose="020B0604030504040204" pitchFamily="34" charset="-120"/>
-            </a:endParaRPr>
-          </a:p>
-          <a:p>
-            <a:pPr marL="571500" indent="-571500">
-              <a:buFont typeface="Arial" panose="020B0604020202020204" pitchFamily="34" charset="0"/>
-              <a:buChar char="•"/>
-            </a:pPr>
-            <a:r>
-              <a:rPr lang="zh-TW" altLang="en-US" sz="4400" dirty="0">
-                <a:latin typeface="微軟正黑體" panose="020B0604030504040204" pitchFamily="34" charset="-120"/>
-                <a:ea typeface="微軟正黑體" panose="020B0604030504040204" pitchFamily="34" charset="-120"/>
-              </a:rPr>
-              <a:t>服務環境安全</a:t>
-            </a:r>
-            <a:r>
-              <a:rPr lang="en-US" altLang="zh-TW" sz="4400" dirty="0">
-                <a:latin typeface="微軟正黑體" panose="020B0604030504040204" pitchFamily="34" charset="-120"/>
-                <a:ea typeface="微軟正黑體" panose="020B0604030504040204" pitchFamily="34" charset="-120"/>
-              </a:rPr>
-              <a:t>(</a:t>
-            </a:r>
-            <a:r>
-              <a:rPr lang="zh-TW" altLang="en-US" sz="4400" dirty="0">
-                <a:latin typeface="微軟正黑體" panose="020B0604030504040204" pitchFamily="34" charset="-120"/>
-                <a:ea typeface="微軟正黑體" panose="020B0604030504040204" pitchFamily="34" charset="-120"/>
-              </a:rPr>
-              <a:t>持續追蹤的真諦</a:t>
-            </a:r>
-            <a:r>
-              <a:rPr lang="en-US" altLang="zh-TW" sz="4400" dirty="0">
-                <a:latin typeface="微軟正黑體" panose="020B0604030504040204" pitchFamily="34" charset="-120"/>
-                <a:ea typeface="微軟正黑體" panose="020B0604030504040204" pitchFamily="34" charset="-120"/>
-              </a:rPr>
-              <a:t>(?)</a:t>
-            </a:r>
-            <a:endParaRPr lang="zh-TW" altLang="en-US" sz="4400" dirty="0">
-              <a:latin typeface="微軟正黑體" panose="020B0604030504040204" pitchFamily="34" charset="-120"/>
-              <a:ea typeface="微軟正黑體" panose="020B0604030504040204" pitchFamily="34" charset="-120"/>
-            </a:endParaRPr>
-          </a:p>
-        </p:txBody>
-      </p:sp>
-    </p:spTree>
-    <p:extLst>
-      <p:ext uri="{BB962C8B-B14F-4D97-AF65-F5344CB8AC3E}">
-        <p14:creationId xmlns:p14="http://schemas.microsoft.com/office/powerpoint/2010/main" val="129849646"/>
-      </p:ext>
-    </p:extLst>
-  </p:cSld>
-  <p:clrMapOvr>
-    <a:masterClrMapping/>
-  </p:clrMapOvr>
-</p:sld>
-</file>
-
-<file path=ppt/slides/slide18.xml><?xml version="1.0" encoding="utf-8"?>
-<p:sld xmlns:a="http://schemas.openxmlformats.org/drawingml/2006/main" xmlns:r="http://schemas.openxmlformats.org/officeDocument/2006/relationships" xmlns:p="http://schemas.openxmlformats.org/presentationml/2006/main">
-  <p:cSld>
-    <p:spTree>
-      <p:nvGrpSpPr>
-        <p:cNvPr id="1" name=""/>
-        <p:cNvGrpSpPr/>
-        <p:nvPr/>
-      </p:nvGrpSpPr>
-      <p:grpSpPr>
-        <a:xfrm>
-          <a:off x="0" y="0"/>
-          <a:ext cx="0" cy="0"/>
-          <a:chOff x="0" y="0"/>
-          <a:chExt cx="0" cy="0"/>
-        </a:xfrm>
-      </p:grpSpPr>
-      <p:sp>
-        <p:nvSpPr>
-          <p:cNvPr id="2" name="文字方塊 1">
-            <a:extLst>
-              <a:ext uri="{FF2B5EF4-FFF2-40B4-BE49-F238E27FC236}">
-                <a16:creationId xmlns:a16="http://schemas.microsoft.com/office/drawing/2014/main" id="{B4AB42E0-7A8E-4DA9-B525-041E31E1F55D}"/>
-              </a:ext>
-            </a:extLst>
-          </p:cNvPr>
-          <p:cNvSpPr txBox="1"/>
-          <p:nvPr/>
-        </p:nvSpPr>
-        <p:spPr>
-          <a:xfrm>
             <a:off x="422940" y="2767280"/>
             <a:ext cx="11346119" cy="1323439"/>
           </a:xfrm>
@@ -5856,7 +5731,7 @@
 </p:sld>
 </file>
 
-<file path=ppt/slides/slide19.xml><?xml version="1.0" encoding="utf-8"?>
+<file path=ppt/slides/slide18.xml><?xml version="1.0" encoding="utf-8"?>
 <p:sld xmlns:a="http://schemas.openxmlformats.org/drawingml/2006/main" xmlns:r="http://schemas.openxmlformats.org/officeDocument/2006/relationships" xmlns:p="http://schemas.openxmlformats.org/presentationml/2006/main">
   <p:cSld>
     <p:spTree>

--- a/Slide/AIS3 dragon security .pptx
+++ b/Slide/AIS3 dragon security .pptx
@@ -4082,47 +4082,13 @@
             </a:pPr>
             <a:r>
               <a:rPr lang="zh-TW" altLang="en-US" sz="6000" b="1" dirty="0">
-                <a:latin typeface="微軟正黑體" panose="020B0604030504040204" pitchFamily="34" charset="-120"/>
-                <a:ea typeface="微軟正黑體" panose="020B0604030504040204" pitchFamily="34" charset="-120"/>
-              </a:rPr>
-              <a:t>機密資訊安全</a:t>
-            </a:r>
-            <a:endParaRPr lang="en-US" altLang="zh-TW" sz="6000" b="1" dirty="0">
-              <a:latin typeface="微軟正黑體" panose="020B0604030504040204" pitchFamily="34" charset="-120"/>
-              <a:ea typeface="微軟正黑體" panose="020B0604030504040204" pitchFamily="34" charset="-120"/>
-            </a:endParaRPr>
-          </a:p>
-          <a:p>
-            <a:pPr marL="857250" indent="-857250">
-              <a:buFont typeface="Arial" panose="020B0604020202020204" pitchFamily="34" charset="0"/>
-              <a:buChar char="•"/>
-            </a:pPr>
-            <a:r>
-              <a:rPr lang="zh-TW" altLang="en-US" sz="6000" b="1" dirty="0">
-                <a:latin typeface="微軟正黑體" panose="020B0604030504040204" pitchFamily="34" charset="-120"/>
-                <a:ea typeface="微軟正黑體" panose="020B0604030504040204" pitchFamily="34" charset="-120"/>
-              </a:rPr>
-              <a:t>第三方套件管理安全</a:t>
-            </a:r>
-            <a:endParaRPr lang="en-US" altLang="zh-TW" sz="6000" b="1" dirty="0">
-              <a:latin typeface="微軟正黑體" panose="020B0604030504040204" pitchFamily="34" charset="-120"/>
-              <a:ea typeface="微軟正黑體" panose="020B0604030504040204" pitchFamily="34" charset="-120"/>
-            </a:endParaRPr>
-          </a:p>
-          <a:p>
-            <a:pPr marL="857250" indent="-857250">
-              <a:buFont typeface="Arial" panose="020B0604020202020204" pitchFamily="34" charset="0"/>
-              <a:buChar char="•"/>
-            </a:pPr>
-            <a:r>
-              <a:rPr lang="zh-TW" altLang="en-US" sz="6000" b="1" dirty="0">
                 <a:solidFill>
                   <a:srgbClr val="FF0000"/>
                 </a:solidFill>
                 <a:latin typeface="微軟正黑體" panose="020B0604030504040204" pitchFamily="34" charset="-120"/>
                 <a:ea typeface="微軟正黑體" panose="020B0604030504040204" pitchFamily="34" charset="-120"/>
               </a:rPr>
-              <a:t>程式安全</a:t>
+              <a:t>機密資訊安全</a:t>
             </a:r>
             <a:endParaRPr lang="en-US" altLang="zh-TW" sz="6000" b="1" dirty="0">
               <a:solidFill>
@@ -4145,12 +4111,46 @@
                 <a:latin typeface="微軟正黑體" panose="020B0604030504040204" pitchFamily="34" charset="-120"/>
                 <a:ea typeface="微軟正黑體" panose="020B0604030504040204" pitchFamily="34" charset="-120"/>
               </a:rPr>
-              <a:t>服務環境安全</a:t>
+              <a:t>第三方套件管理安全</a:t>
             </a:r>
             <a:endParaRPr lang="en-US" altLang="zh-TW" sz="6000" b="1" dirty="0">
               <a:solidFill>
                 <a:srgbClr val="FF0000"/>
               </a:solidFill>
+              <a:latin typeface="微軟正黑體" panose="020B0604030504040204" pitchFamily="34" charset="-120"/>
+              <a:ea typeface="微軟正黑體" panose="020B0604030504040204" pitchFamily="34" charset="-120"/>
+            </a:endParaRPr>
+          </a:p>
+          <a:p>
+            <a:pPr marL="857250" indent="-857250">
+              <a:buFont typeface="Arial" panose="020B0604020202020204" pitchFamily="34" charset="0"/>
+              <a:buChar char="•"/>
+            </a:pPr>
+            <a:r>
+              <a:rPr lang="zh-TW" altLang="en-US" sz="6000" b="1" dirty="0">
+                <a:latin typeface="微軟正黑體" panose="020B0604030504040204" pitchFamily="34" charset="-120"/>
+                <a:ea typeface="微軟正黑體" panose="020B0604030504040204" pitchFamily="34" charset="-120"/>
+              </a:rPr>
+              <a:t>程式安全</a:t>
+            </a:r>
+            <a:endParaRPr lang="en-US" altLang="zh-TW" sz="6000" b="1" dirty="0">
+              <a:latin typeface="微軟正黑體" panose="020B0604030504040204" pitchFamily="34" charset="-120"/>
+              <a:ea typeface="微軟正黑體" panose="020B0604030504040204" pitchFamily="34" charset="-120"/>
+            </a:endParaRPr>
+          </a:p>
+          <a:p>
+            <a:pPr marL="857250" indent="-857250">
+              <a:buFont typeface="Arial" panose="020B0604020202020204" pitchFamily="34" charset="0"/>
+              <a:buChar char="•"/>
+            </a:pPr>
+            <a:r>
+              <a:rPr lang="zh-TW" altLang="en-US" sz="6000" b="1" dirty="0">
+                <a:latin typeface="微軟正黑體" panose="020B0604030504040204" pitchFamily="34" charset="-120"/>
+                <a:ea typeface="微軟正黑體" panose="020B0604030504040204" pitchFamily="34" charset="-120"/>
+              </a:rPr>
+              <a:t>服務環境安全</a:t>
+            </a:r>
+            <a:endParaRPr lang="en-US" altLang="zh-TW" sz="6000" b="1" dirty="0">
               <a:latin typeface="微軟正黑體" panose="020B0604030504040204" pitchFamily="34" charset="-120"/>
               <a:ea typeface="微軟正黑體" panose="020B0604030504040204" pitchFamily="34" charset="-120"/>
             </a:endParaRPr>

--- a/Slide/AIS3 dragon security .pptx
+++ b/Slide/AIS3 dragon security .pptx
@@ -4459,8 +4459,8 @@
         </p:nvSpPr>
         <p:spPr>
           <a:xfrm>
-            <a:off x="958788" y="2407138"/>
-            <a:ext cx="10428227" cy="2763129"/>
+            <a:off x="989216" y="1882109"/>
+            <a:ext cx="10428227" cy="4158061"/>
           </a:xfrm>
           <a:prstGeom prst="rect">
             <a:avLst/>
@@ -4481,29 +4481,57 @@
               <a:buChar char="•"/>
             </a:pPr>
             <a:r>
-              <a:rPr kumimoji="1" lang="zh-TW" altLang="en-US" sz="4000" dirty="0">
+              <a:rPr kumimoji="1" lang="zh-TW" altLang="en-US" sz="3600" dirty="0">
                 <a:latin typeface="微軟正黑體" panose="020B0604030504040204" pitchFamily="34" charset="-120"/>
                 <a:ea typeface="微軟正黑體" panose="020B0604030504040204" pitchFamily="34" charset="-120"/>
               </a:rPr>
               <a:t>建立</a:t>
             </a:r>
             <a:r>
-              <a:rPr kumimoji="1" lang="zh-TW" altLang="en-US" sz="4000" dirty="0">
+              <a:rPr kumimoji="1" lang="zh-TW" altLang="en-US" sz="3600" dirty="0">
                 <a:solidFill>
                   <a:srgbClr val="FF0000"/>
                 </a:solidFill>
                 <a:latin typeface="微軟正黑體" panose="020B0604030504040204" pitchFamily="34" charset="-120"/>
                 <a:ea typeface="微軟正黑體" panose="020B0604030504040204" pitchFamily="34" charset="-120"/>
               </a:rPr>
-              <a:t>套件安全資料庫</a:t>
-            </a:r>
-            <a:endParaRPr kumimoji="1" lang="en-US" altLang="zh-TW" sz="4000" dirty="0">
-              <a:solidFill>
-                <a:srgbClr val="FF0000"/>
-              </a:solidFill>
-              <a:latin typeface="微軟正黑體" panose="020B0604030504040204" pitchFamily="34" charset="-120"/>
-              <a:ea typeface="微軟正黑體" panose="020B0604030504040204" pitchFamily="34" charset="-120"/>
-            </a:endParaRPr>
+              <a:t>套件安全管理</a:t>
+            </a:r>
+            <a:r>
+              <a:rPr kumimoji="1" lang="zh-TW" altLang="en-US" sz="3600" dirty="0">
+                <a:latin typeface="微軟正黑體" panose="020B0604030504040204" pitchFamily="34" charset="-120"/>
+                <a:ea typeface="微軟正黑體" panose="020B0604030504040204" pitchFamily="34" charset="-120"/>
+              </a:rPr>
+              <a:t>，漏洞套建資訊基於</a:t>
+            </a:r>
+            <a:r>
+              <a:rPr kumimoji="1" lang="en-US" altLang="zh-TW" sz="3600" dirty="0" err="1">
+                <a:latin typeface="微軟正黑體" panose="020B0604030504040204" pitchFamily="34" charset="-120"/>
+                <a:ea typeface="微軟正黑體" panose="020B0604030504040204" pitchFamily="34" charset="-120"/>
+              </a:rPr>
+              <a:t>pyupio</a:t>
+            </a:r>
+            <a:r>
+              <a:rPr kumimoji="1" lang="en-US" altLang="zh-TW" sz="3600" dirty="0">
+                <a:latin typeface="微軟正黑體" panose="020B0604030504040204" pitchFamily="34" charset="-120"/>
+                <a:ea typeface="微軟正黑體" panose="020B0604030504040204" pitchFamily="34" charset="-120"/>
+              </a:rPr>
+              <a:t>/safety</a:t>
+            </a:r>
+            <a:r>
+              <a:rPr kumimoji="1" lang="zh-TW" altLang="en-US" sz="3600" dirty="0">
+                <a:latin typeface="微軟正黑體" panose="020B0604030504040204" pitchFamily="34" charset="-120"/>
+                <a:ea typeface="微軟正黑體" panose="020B0604030504040204" pitchFamily="34" charset="-120"/>
+              </a:rPr>
+              <a:t>與</a:t>
+            </a:r>
+            <a:r>
+              <a:rPr kumimoji="1" lang="en-US" altLang="zh-TW" sz="3600" dirty="0">
+                <a:latin typeface="微軟正黑體" panose="020B0604030504040204" pitchFamily="34" charset="-120"/>
+                <a:ea typeface="微軟正黑體" panose="020B0604030504040204" pitchFamily="34" charset="-120"/>
+              </a:rPr>
+              <a:t>GitHub Advisory Database</a:t>
+            </a:r>
           </a:p>
           <a:p>
             <a:pPr marL="342900" indent="-342900">
@@ -4514,7 +4542,7 @@
               <a:buChar char="•"/>
             </a:pPr>
             <a:r>
-              <a:rPr kumimoji="1" lang="zh-TW" altLang="en-US" sz="4000" dirty="0">
+              <a:rPr kumimoji="1" lang="zh-TW" altLang="en-US" sz="3600" dirty="0">
                 <a:solidFill>
                   <a:srgbClr val="FF0000"/>
                 </a:solidFill>
@@ -4524,13 +4552,13 @@
               <a:t>主動追蹤</a:t>
             </a:r>
             <a:r>
-              <a:rPr kumimoji="1" lang="zh-TW" altLang="en-US" sz="4000" dirty="0">
-                <a:latin typeface="微軟正黑體" panose="020B0604030504040204" pitchFamily="34" charset="-120"/>
-                <a:ea typeface="微軟正黑體" panose="020B0604030504040204" pitchFamily="34" charset="-120"/>
-              </a:rPr>
-              <a:t>不同第三方套件的程式碼覆蓋率</a:t>
-            </a:r>
-            <a:endParaRPr kumimoji="1" lang="en-US" altLang="zh-TW" sz="4000" dirty="0">
+              <a:rPr kumimoji="1" lang="zh-TW" altLang="en-US" sz="3600" dirty="0">
+                <a:latin typeface="微軟正黑體" panose="020B0604030504040204" pitchFamily="34" charset="-120"/>
+                <a:ea typeface="微軟正黑體" panose="020B0604030504040204" pitchFamily="34" charset="-120"/>
+              </a:rPr>
+              <a:t>各個第三方套件的程式碼覆蓋率</a:t>
+            </a:r>
+            <a:endParaRPr kumimoji="1" lang="en-US" altLang="zh-TW" sz="3600" dirty="0">
               <a:latin typeface="微軟正黑體" panose="020B0604030504040204" pitchFamily="34" charset="-120"/>
               <a:ea typeface="微軟正黑體" panose="020B0604030504040204" pitchFamily="34" charset="-120"/>
             </a:endParaRPr>
@@ -4544,13 +4572,13 @@
               <a:buChar char="•"/>
             </a:pPr>
             <a:r>
-              <a:rPr kumimoji="1" lang="zh-TW" altLang="en-US" sz="4000" dirty="0">
-                <a:latin typeface="微軟正黑體" panose="020B0604030504040204" pitchFamily="34" charset="-120"/>
-                <a:ea typeface="微軟正黑體" panose="020B0604030504040204" pitchFamily="34" charset="-120"/>
-              </a:rPr>
-              <a:t>結合上述後提供修正建議給開發人員</a:t>
-            </a:r>
-            <a:endParaRPr lang="zh-TW" altLang="en-US" sz="4000" dirty="0"/>
+              <a:rPr kumimoji="1" lang="zh-TW" altLang="en-US" sz="3600" dirty="0">
+                <a:latin typeface="微軟正黑體" panose="020B0604030504040204" pitchFamily="34" charset="-120"/>
+                <a:ea typeface="微軟正黑體" panose="020B0604030504040204" pitchFamily="34" charset="-120"/>
+              </a:rPr>
+              <a:t>依程式碼覆蓋率計算新分數與結合上述後提供修正建議給開發人員</a:t>
+            </a:r>
+            <a:endParaRPr lang="zh-TW" altLang="en-US" sz="3600" dirty="0"/>
           </a:p>
         </p:txBody>
       </p:sp>
